--- a/Addtional Files/iCruit.pptx
+++ b/Addtional Files/iCruit.pptx
@@ -15,7 +15,8 @@
     <p:sldId id="261" r:id="rId9"/>
     <p:sldId id="267" r:id="rId10"/>
     <p:sldId id="268" r:id="rId11"/>
-    <p:sldId id="262" r:id="rId12"/>
+    <p:sldId id="272" r:id="rId12"/>
+    <p:sldId id="262" r:id="rId13"/>
   </p:sldIdLst>
   <p:sldSz cx="12192000" cy="6858000"/>
   <p:notesSz cx="6858000" cy="9144000"/>
@@ -1822,7 +1823,7 @@
         <a:p>
           <a:r>
             <a:rPr lang="en-US" sz="2800" baseline="0" dirty="0"/>
-            <a:t>Future Goals:</a:t>
+            <a:t>Future:</a:t>
           </a:r>
           <a:endParaRPr lang="en-US" sz="2800" dirty="0"/>
         </a:p>
@@ -2037,7 +2038,7 @@
           </a:pPr>
           <a:r>
             <a:rPr lang="en-US" sz="2000" dirty="0"/>
-            <a:t>September 27th</a:t>
+            <a:t>October 1st</a:t>
           </a:r>
         </a:p>
       </dgm:t>
@@ -2072,7 +2073,7 @@
         <a:lstStyle/>
         <a:p>
           <a:r>
-            <a:rPr lang="en-US" sz="1600"/>
+            <a:rPr lang="en-US" sz="1600" dirty="0"/>
             <a:t>Create basic “Hello World” app that contains all views and set up GitHub repository</a:t>
           </a:r>
         </a:p>
@@ -2107,17 +2108,7 @@
         <a:bodyPr/>
         <a:lstStyle/>
         <a:p>
-          <a:pPr marL="0" lvl="0" indent="0" algn="ctr" defTabSz="889000">
-            <a:lnSpc>
-              <a:spcPct val="90000"/>
-            </a:lnSpc>
-            <a:spcBef>
-              <a:spcPct val="0"/>
-            </a:spcBef>
-            <a:spcAft>
-              <a:spcPct val="35000"/>
-            </a:spcAft>
-            <a:buNone/>
+          <a:pPr>
             <a:defRPr b="1"/>
           </a:pPr>
           <a:r>
@@ -2199,17 +2190,7 @@
         <a:bodyPr/>
         <a:lstStyle/>
         <a:p>
-          <a:pPr marL="0" lvl="0" indent="0" algn="ctr" defTabSz="889000">
-            <a:lnSpc>
-              <a:spcPct val="90000"/>
-            </a:lnSpc>
-            <a:spcBef>
-              <a:spcPct val="0"/>
-            </a:spcBef>
-            <a:spcAft>
-              <a:spcPct val="35000"/>
-            </a:spcAft>
-            <a:buNone/>
+          <a:pPr>
             <a:defRPr b="1"/>
           </a:pPr>
           <a:r>
@@ -2291,17 +2272,7 @@
         <a:bodyPr/>
         <a:lstStyle/>
         <a:p>
-          <a:pPr marL="0" lvl="0" indent="0" algn="ctr" defTabSz="889000">
-            <a:lnSpc>
-              <a:spcPct val="90000"/>
-            </a:lnSpc>
-            <a:spcBef>
-              <a:spcPct val="0"/>
-            </a:spcBef>
-            <a:spcAft>
-              <a:spcPct val="35000"/>
-            </a:spcAft>
-            <a:buNone/>
+          <a:pPr>
             <a:defRPr b="1"/>
           </a:pPr>
           <a:r>
@@ -2383,17 +2354,7 @@
         <a:bodyPr/>
         <a:lstStyle/>
         <a:p>
-          <a:pPr marL="0" lvl="0" indent="0" algn="ctr" defTabSz="889000">
-            <a:lnSpc>
-              <a:spcPct val="90000"/>
-            </a:lnSpc>
-            <a:spcBef>
-              <a:spcPct val="0"/>
-            </a:spcBef>
-            <a:spcAft>
-              <a:spcPct val="35000"/>
-            </a:spcAft>
-            <a:buNone/>
+          <a:pPr>
             <a:defRPr b="1"/>
           </a:pPr>
           <a:r>
@@ -2468,6 +2429,112 @@
         </a:p>
       </dgm:t>
     </dgm:pt>
+    <dgm:pt modelId="{BBD2D8DD-B037-4943-BA07-8F0F788FCFC1}">
+      <dgm:prSet custT="1"/>
+      <dgm:spPr/>
+      <dgm:t>
+        <a:bodyPr/>
+        <a:lstStyle/>
+        <a:p>
+          <a:pPr>
+            <a:defRPr b="1"/>
+          </a:pPr>
+          <a:r>
+            <a:rPr lang="en-US" sz="2000" b="1" kern="1200" dirty="0">
+              <a:solidFill>
+                <a:prstClr val="white"/>
+              </a:solidFill>
+              <a:latin typeface="Franklin Gothic Book" panose="020B0503020102020204"/>
+              <a:ea typeface="+mn-ea"/>
+              <a:cs typeface="+mn-cs"/>
+            </a:rPr>
+            <a:t>November 1st</a:t>
+          </a:r>
+        </a:p>
+      </dgm:t>
+    </dgm:pt>
+    <dgm:pt modelId="{830F9A5C-3847-6742-9D4A-0847A5D9A774}" type="parTrans" cxnId="{41F51E81-887D-8F4E-91CE-E2CF7C078BBD}">
+      <dgm:prSet/>
+      <dgm:spPr/>
+      <dgm:t>
+        <a:bodyPr/>
+        <a:lstStyle/>
+        <a:p>
+          <a:endParaRPr lang="en-US"/>
+        </a:p>
+      </dgm:t>
+    </dgm:pt>
+    <dgm:pt modelId="{68D75E2C-3EAA-BA41-9378-D3FC1067419F}" type="sibTrans" cxnId="{41F51E81-887D-8F4E-91CE-E2CF7C078BBD}">
+      <dgm:prSet/>
+      <dgm:spPr/>
+      <dgm:t>
+        <a:bodyPr/>
+        <a:lstStyle/>
+        <a:p>
+          <a:endParaRPr lang="en-US"/>
+        </a:p>
+      </dgm:t>
+    </dgm:pt>
+    <dgm:pt modelId="{BF781F97-7ADF-D24A-8AF3-33AAF7B85936}">
+      <dgm:prSet custT="1"/>
+      <dgm:spPr/>
+      <dgm:t>
+        <a:bodyPr/>
+        <a:lstStyle/>
+        <a:p>
+          <a:pPr marL="0" lvl="0" indent="0" algn="l" defTabSz="711200">
+            <a:lnSpc>
+              <a:spcPct val="90000"/>
+            </a:lnSpc>
+            <a:spcBef>
+              <a:spcPct val="0"/>
+            </a:spcBef>
+            <a:spcAft>
+              <a:spcPct val="35000"/>
+            </a:spcAft>
+            <a:buNone/>
+          </a:pPr>
+          <a:r>
+            <a:rPr lang="en-US" sz="1600" kern="1200" dirty="0">
+              <a:solidFill>
+                <a:prstClr val="black">
+                  <a:hueOff val="0"/>
+                  <a:satOff val="0"/>
+                  <a:lumOff val="0"/>
+                  <a:alphaOff val="0"/>
+                </a:prstClr>
+              </a:solidFill>
+              <a:latin typeface="Franklin Gothic Book" panose="020B0503020102020204"/>
+              <a:ea typeface="+mn-ea"/>
+              <a:cs typeface="+mn-cs"/>
+            </a:rPr>
+            <a:t>Learn Swift to a point that I'm comfortable</a:t>
+          </a:r>
+        </a:p>
+      </dgm:t>
+    </dgm:pt>
+    <dgm:pt modelId="{03032361-398A-C440-A10A-A629F669EB72}" type="parTrans" cxnId="{13BDDEEA-77ED-D142-A1F4-92618D159A29}">
+      <dgm:prSet/>
+      <dgm:spPr/>
+      <dgm:t>
+        <a:bodyPr/>
+        <a:lstStyle/>
+        <a:p>
+          <a:endParaRPr lang="en-US"/>
+        </a:p>
+      </dgm:t>
+    </dgm:pt>
+    <dgm:pt modelId="{53277134-AC2D-CC43-ABC7-68509592FDBA}" type="sibTrans" cxnId="{13BDDEEA-77ED-D142-A1F4-92618D159A29}">
+      <dgm:prSet/>
+      <dgm:spPr/>
+      <dgm:t>
+        <a:bodyPr/>
+        <a:lstStyle/>
+        <a:p>
+          <a:endParaRPr lang="en-US"/>
+        </a:p>
+      </dgm:t>
+    </dgm:pt>
     <dgm:pt modelId="{5BBB38CA-5F31-CB49-812D-6835963DFF5E}" type="pres">
       <dgm:prSet presAssocID="{AC3D631F-B0C2-474E-BF7D-F6D319A57E6D}" presName="root" presStyleCnt="0">
         <dgm:presLayoutVars>
@@ -2497,7 +2564,7 @@
       <dgm:spPr/>
     </dgm:pt>
     <dgm:pt modelId="{75005BEE-7FAC-6C43-8977-FF26A6290AF8}" type="pres">
-      <dgm:prSet presAssocID="{EE0A52EF-4535-41B6-BC2E-E379417322D0}" presName="L1TextContainer" presStyleLbl="alignNode1" presStyleIdx="0" presStyleCnt="5">
+      <dgm:prSet presAssocID="{EE0A52EF-4535-41B6-BC2E-E379417322D0}" presName="L1TextContainer" presStyleLbl="alignNode1" presStyleIdx="0" presStyleCnt="6">
         <dgm:presLayoutVars>
           <dgm:chMax val="1"/>
           <dgm:chPref val="1"/>
@@ -2515,7 +2582,7 @@
       <dgm:spPr/>
     </dgm:pt>
     <dgm:pt modelId="{3C6DC8B6-44E3-9349-9505-2A5B2354DFF4}" type="pres">
-      <dgm:prSet presAssocID="{EE0A52EF-4535-41B6-BC2E-E379417322D0}" presName="L2TextContainer" presStyleLbl="bgAccFollowNode1" presStyleIdx="0" presStyleCnt="5"/>
+      <dgm:prSet presAssocID="{EE0A52EF-4535-41B6-BC2E-E379417322D0}" presName="L2TextContainer" presStyleLbl="bgAccFollowNode1" presStyleIdx="0" presStyleCnt="6"/>
       <dgm:spPr/>
     </dgm:pt>
     <dgm:pt modelId="{BE4C1133-E5D3-DC42-9EAF-C523A33E71B4}" type="pres">
@@ -2523,11 +2590,11 @@
       <dgm:spPr/>
     </dgm:pt>
     <dgm:pt modelId="{DD200026-A2FC-E345-852D-FB8F9A4BC401}" type="pres">
-      <dgm:prSet presAssocID="{EE0A52EF-4535-41B6-BC2E-E379417322D0}" presName="ConnectLine" presStyleLbl="sibTrans1D1" presStyleIdx="0" presStyleCnt="5"/>
+      <dgm:prSet presAssocID="{EE0A52EF-4535-41B6-BC2E-E379417322D0}" presName="ConnectLine" presStyleLbl="sibTrans1D1" presStyleIdx="0" presStyleCnt="6"/>
       <dgm:spPr/>
     </dgm:pt>
     <dgm:pt modelId="{5930FD49-B91F-4C45-A604-B4874E32B674}" type="pres">
-      <dgm:prSet presAssocID="{EE0A52EF-4535-41B6-BC2E-E379417322D0}" presName="ConnectorPoint" presStyleLbl="node1" presStyleIdx="0" presStyleCnt="5"/>
+      <dgm:prSet presAssocID="{EE0A52EF-4535-41B6-BC2E-E379417322D0}" presName="ConnectorPoint" presStyleLbl="node1" presStyleIdx="0" presStyleCnt="6"/>
       <dgm:spPr>
         <a:gradFill rotWithShape="0">
           <a:gsLst>
@@ -2569,12 +2636,89 @@
       <dgm:prSet presAssocID="{7D5DABD7-F3AE-453A-BF93-C24BEDDA9061}" presName="spaceBetweenRectangles" presStyleCnt="0"/>
       <dgm:spPr/>
     </dgm:pt>
+    <dgm:pt modelId="{D0EAF8B7-ADE9-634A-B9B4-4CB986884CB3}" type="pres">
+      <dgm:prSet presAssocID="{BBD2D8DD-B037-4943-BA07-8F0F788FCFC1}" presName="composite" presStyleCnt="0"/>
+      <dgm:spPr/>
+    </dgm:pt>
+    <dgm:pt modelId="{FF9F79C9-F940-AD40-B4DE-DC3F66AD4D9A}" type="pres">
+      <dgm:prSet presAssocID="{BBD2D8DD-B037-4943-BA07-8F0F788FCFC1}" presName="L1TextContainer" presStyleLbl="alignNode1" presStyleIdx="1" presStyleCnt="6">
+        <dgm:presLayoutVars>
+          <dgm:chMax val="1"/>
+          <dgm:chPref val="1"/>
+          <dgm:bulletEnabled val="1"/>
+        </dgm:presLayoutVars>
+      </dgm:prSet>
+      <dgm:spPr/>
+    </dgm:pt>
+    <dgm:pt modelId="{62206DEA-07B6-D241-BF43-8627D876D906}" type="pres">
+      <dgm:prSet presAssocID="{BBD2D8DD-B037-4943-BA07-8F0F788FCFC1}" presName="L2TextContainerWrapper" presStyleCnt="0">
+        <dgm:presLayoutVars>
+          <dgm:bulletEnabled val="1"/>
+        </dgm:presLayoutVars>
+      </dgm:prSet>
+      <dgm:spPr/>
+    </dgm:pt>
+    <dgm:pt modelId="{BBDFBE44-285D-4445-90DC-D871377FBB13}" type="pres">
+      <dgm:prSet presAssocID="{BBD2D8DD-B037-4943-BA07-8F0F788FCFC1}" presName="L2TextContainer" presStyleLbl="bgAccFollowNode1" presStyleIdx="1" presStyleCnt="6"/>
+      <dgm:spPr/>
+    </dgm:pt>
+    <dgm:pt modelId="{4783C39E-0C10-7B45-BE83-48C5A35DF6AF}" type="pres">
+      <dgm:prSet presAssocID="{BBD2D8DD-B037-4943-BA07-8F0F788FCFC1}" presName="FlexibleEmptyPlaceHolder" presStyleCnt="0"/>
+      <dgm:spPr/>
+    </dgm:pt>
+    <dgm:pt modelId="{3F00E910-1070-EE43-A77F-29135F35E69E}" type="pres">
+      <dgm:prSet presAssocID="{BBD2D8DD-B037-4943-BA07-8F0F788FCFC1}" presName="ConnectLine" presStyleLbl="sibTrans1D1" presStyleIdx="1" presStyleCnt="6"/>
+      <dgm:spPr/>
+    </dgm:pt>
+    <dgm:pt modelId="{E79F7B2D-ECBE-3F42-AE31-806E3A38D349}" type="pres">
+      <dgm:prSet presAssocID="{BBD2D8DD-B037-4943-BA07-8F0F788FCFC1}" presName="ConnectorPoint" presStyleLbl="node1" presStyleIdx="1" presStyleCnt="6"/>
+      <dgm:spPr>
+        <a:gradFill rotWithShape="0">
+          <a:gsLst>
+            <a:gs pos="0">
+              <a:schemeClr val="accent5">
+                <a:tint val="94000"/>
+                <a:satMod val="103000"/>
+                <a:lumMod val="102000"/>
+              </a:schemeClr>
+            </a:gs>
+            <a:gs pos="50000">
+              <a:schemeClr val="accent5">
+                <a:shade val="100000"/>
+                <a:satMod val="110000"/>
+                <a:lumMod val="100000"/>
+              </a:schemeClr>
+            </a:gs>
+            <a:gs pos="100000">
+              <a:schemeClr val="accent5">
+                <a:shade val="78000"/>
+                <a:satMod val="120000"/>
+                <a:lumMod val="99000"/>
+              </a:schemeClr>
+            </a:gs>
+          </a:gsLst>
+          <a:lin ang="5400000" scaled="0"/>
+        </a:gradFill>
+        <a:ln w="6350">
+          <a:noFill/>
+        </a:ln>
+        <a:effectLst/>
+      </dgm:spPr>
+    </dgm:pt>
+    <dgm:pt modelId="{16E37DD2-3833-9048-B95F-B392C2833FDC}" type="pres">
+      <dgm:prSet presAssocID="{BBD2D8DD-B037-4943-BA07-8F0F788FCFC1}" presName="EmptyPlaceHolder" presStyleCnt="0"/>
+      <dgm:spPr/>
+    </dgm:pt>
+    <dgm:pt modelId="{0B433509-A15D-2E44-8BB3-20DF392C5E2A}" type="pres">
+      <dgm:prSet presAssocID="{68D75E2C-3EAA-BA41-9378-D3FC1067419F}" presName="spaceBetweenRectangles" presStyleCnt="0"/>
+      <dgm:spPr/>
+    </dgm:pt>
     <dgm:pt modelId="{06917E08-7DF8-EF45-B6A9-83AB6D7A10AB}" type="pres">
       <dgm:prSet presAssocID="{68849048-2D78-4699-94E5-BCB4CD2C7C32}" presName="composite" presStyleCnt="0"/>
       <dgm:spPr/>
     </dgm:pt>
     <dgm:pt modelId="{3083D334-5EB1-5541-8413-D2F861423387}" type="pres">
-      <dgm:prSet presAssocID="{68849048-2D78-4699-94E5-BCB4CD2C7C32}" presName="L1TextContainer" presStyleLbl="alignNode1" presStyleIdx="1" presStyleCnt="5">
+      <dgm:prSet presAssocID="{68849048-2D78-4699-94E5-BCB4CD2C7C32}" presName="L1TextContainer" presStyleLbl="alignNode1" presStyleIdx="2" presStyleCnt="6">
         <dgm:presLayoutVars>
           <dgm:chMax val="1"/>
           <dgm:chPref val="1"/>
@@ -2592,7 +2736,7 @@
       <dgm:spPr/>
     </dgm:pt>
     <dgm:pt modelId="{F2EE0A7E-AD64-8844-83D4-6E1F6445BBCC}" type="pres">
-      <dgm:prSet presAssocID="{68849048-2D78-4699-94E5-BCB4CD2C7C32}" presName="L2TextContainer" presStyleLbl="bgAccFollowNode1" presStyleIdx="1" presStyleCnt="5"/>
+      <dgm:prSet presAssocID="{68849048-2D78-4699-94E5-BCB4CD2C7C32}" presName="L2TextContainer" presStyleLbl="bgAccFollowNode1" presStyleIdx="2" presStyleCnt="6"/>
       <dgm:spPr/>
     </dgm:pt>
     <dgm:pt modelId="{E28CBF5C-B9DE-4048-88FB-C2A80B81EC72}" type="pres">
@@ -2600,11 +2744,11 @@
       <dgm:spPr/>
     </dgm:pt>
     <dgm:pt modelId="{7AE5BCC3-6F8A-9545-A89E-C66EB0E0DA57}" type="pres">
-      <dgm:prSet presAssocID="{68849048-2D78-4699-94E5-BCB4CD2C7C32}" presName="ConnectLine" presStyleLbl="sibTrans1D1" presStyleIdx="1" presStyleCnt="5"/>
+      <dgm:prSet presAssocID="{68849048-2D78-4699-94E5-BCB4CD2C7C32}" presName="ConnectLine" presStyleLbl="sibTrans1D1" presStyleIdx="2" presStyleCnt="6"/>
       <dgm:spPr/>
     </dgm:pt>
     <dgm:pt modelId="{33A20DBD-B153-2D41-94DE-1E58C3FBD156}" type="pres">
-      <dgm:prSet presAssocID="{68849048-2D78-4699-94E5-BCB4CD2C7C32}" presName="ConnectorPoint" presStyleLbl="node1" presStyleIdx="1" presStyleCnt="5"/>
+      <dgm:prSet presAssocID="{68849048-2D78-4699-94E5-BCB4CD2C7C32}" presName="ConnectorPoint" presStyleLbl="node1" presStyleIdx="2" presStyleCnt="6"/>
       <dgm:spPr>
         <a:gradFill rotWithShape="0">
           <a:gsLst>
@@ -2651,7 +2795,7 @@
       <dgm:spPr/>
     </dgm:pt>
     <dgm:pt modelId="{5FF70FA8-3EF0-9040-B11E-B07FEB74C510}" type="pres">
-      <dgm:prSet presAssocID="{3B221898-4A43-41FA-9F7B-0E7AB6F9F822}" presName="L1TextContainer" presStyleLbl="alignNode1" presStyleIdx="2" presStyleCnt="5">
+      <dgm:prSet presAssocID="{3B221898-4A43-41FA-9F7B-0E7AB6F9F822}" presName="L1TextContainer" presStyleLbl="alignNode1" presStyleIdx="3" presStyleCnt="6">
         <dgm:presLayoutVars>
           <dgm:chMax val="1"/>
           <dgm:chPref val="1"/>
@@ -2669,7 +2813,7 @@
       <dgm:spPr/>
     </dgm:pt>
     <dgm:pt modelId="{305971EE-C048-E04D-A80E-44F55CEE4901}" type="pres">
-      <dgm:prSet presAssocID="{3B221898-4A43-41FA-9F7B-0E7AB6F9F822}" presName="L2TextContainer" presStyleLbl="bgAccFollowNode1" presStyleIdx="2" presStyleCnt="5"/>
+      <dgm:prSet presAssocID="{3B221898-4A43-41FA-9F7B-0E7AB6F9F822}" presName="L2TextContainer" presStyleLbl="bgAccFollowNode1" presStyleIdx="3" presStyleCnt="6"/>
       <dgm:spPr/>
     </dgm:pt>
     <dgm:pt modelId="{02594E1D-6B21-AE44-BB9A-54F6646C9E21}" type="pres">
@@ -2677,11 +2821,11 @@
       <dgm:spPr/>
     </dgm:pt>
     <dgm:pt modelId="{760B0872-5B96-E749-92E9-86E87BA807A6}" type="pres">
-      <dgm:prSet presAssocID="{3B221898-4A43-41FA-9F7B-0E7AB6F9F822}" presName="ConnectLine" presStyleLbl="sibTrans1D1" presStyleIdx="2" presStyleCnt="5"/>
+      <dgm:prSet presAssocID="{3B221898-4A43-41FA-9F7B-0E7AB6F9F822}" presName="ConnectLine" presStyleLbl="sibTrans1D1" presStyleIdx="3" presStyleCnt="6"/>
       <dgm:spPr/>
     </dgm:pt>
     <dgm:pt modelId="{B1730712-4B1B-334E-827D-CF3B32A401A6}" type="pres">
-      <dgm:prSet presAssocID="{3B221898-4A43-41FA-9F7B-0E7AB6F9F822}" presName="ConnectorPoint" presStyleLbl="node1" presStyleIdx="2" presStyleCnt="5"/>
+      <dgm:prSet presAssocID="{3B221898-4A43-41FA-9F7B-0E7AB6F9F822}" presName="ConnectorPoint" presStyleLbl="node1" presStyleIdx="3" presStyleCnt="6"/>
       <dgm:spPr>
         <a:gradFill rotWithShape="0">
           <a:gsLst>
@@ -2728,7 +2872,7 @@
       <dgm:spPr/>
     </dgm:pt>
     <dgm:pt modelId="{24EDEF29-56B5-0143-A5BC-902B4798D262}" type="pres">
-      <dgm:prSet presAssocID="{7651AE02-238D-454E-BACD-9A250FFA905E}" presName="L1TextContainer" presStyleLbl="alignNode1" presStyleIdx="3" presStyleCnt="5">
+      <dgm:prSet presAssocID="{7651AE02-238D-454E-BACD-9A250FFA905E}" presName="L1TextContainer" presStyleLbl="alignNode1" presStyleIdx="4" presStyleCnt="6">
         <dgm:presLayoutVars>
           <dgm:chMax val="1"/>
           <dgm:chPref val="1"/>
@@ -2746,7 +2890,7 @@
       <dgm:spPr/>
     </dgm:pt>
     <dgm:pt modelId="{21B5E503-B4CC-2647-9B8E-598712D97A6A}" type="pres">
-      <dgm:prSet presAssocID="{7651AE02-238D-454E-BACD-9A250FFA905E}" presName="L2TextContainer" presStyleLbl="bgAccFollowNode1" presStyleIdx="3" presStyleCnt="5"/>
+      <dgm:prSet presAssocID="{7651AE02-238D-454E-BACD-9A250FFA905E}" presName="L2TextContainer" presStyleLbl="bgAccFollowNode1" presStyleIdx="4" presStyleCnt="6"/>
       <dgm:spPr/>
     </dgm:pt>
     <dgm:pt modelId="{52AC8382-9D70-C54F-BCD7-F2F36D78D2C6}" type="pres">
@@ -2754,11 +2898,11 @@
       <dgm:spPr/>
     </dgm:pt>
     <dgm:pt modelId="{1DCE2870-D1D0-E14A-BEFC-9F74FEFE1700}" type="pres">
-      <dgm:prSet presAssocID="{7651AE02-238D-454E-BACD-9A250FFA905E}" presName="ConnectLine" presStyleLbl="sibTrans1D1" presStyleIdx="3" presStyleCnt="5"/>
+      <dgm:prSet presAssocID="{7651AE02-238D-454E-BACD-9A250FFA905E}" presName="ConnectLine" presStyleLbl="sibTrans1D1" presStyleIdx="4" presStyleCnt="6"/>
       <dgm:spPr/>
     </dgm:pt>
     <dgm:pt modelId="{FE1215F4-0CBE-4C4A-A49D-CA471DEFD824}" type="pres">
-      <dgm:prSet presAssocID="{7651AE02-238D-454E-BACD-9A250FFA905E}" presName="ConnectorPoint" presStyleLbl="node1" presStyleIdx="3" presStyleCnt="5"/>
+      <dgm:prSet presAssocID="{7651AE02-238D-454E-BACD-9A250FFA905E}" presName="ConnectorPoint" presStyleLbl="node1" presStyleIdx="4" presStyleCnt="6"/>
       <dgm:spPr>
         <a:gradFill rotWithShape="0">
           <a:gsLst>
@@ -2805,7 +2949,7 @@
       <dgm:spPr/>
     </dgm:pt>
     <dgm:pt modelId="{D56D2EFD-2DF7-9E40-B2C7-9A8C1CF583D7}" type="pres">
-      <dgm:prSet presAssocID="{608E64B1-BCE6-2345-9206-158A812D3908}" presName="L1TextContainer" presStyleLbl="alignNode1" presStyleIdx="4" presStyleCnt="5">
+      <dgm:prSet presAssocID="{608E64B1-BCE6-2345-9206-158A812D3908}" presName="L1TextContainer" presStyleLbl="alignNode1" presStyleIdx="5" presStyleCnt="6">
         <dgm:presLayoutVars>
           <dgm:chMax val="1"/>
           <dgm:chPref val="1"/>
@@ -2823,7 +2967,7 @@
       <dgm:spPr/>
     </dgm:pt>
     <dgm:pt modelId="{F30D4E49-504F-A047-B2A2-8852C09011AD}" type="pres">
-      <dgm:prSet presAssocID="{608E64B1-BCE6-2345-9206-158A812D3908}" presName="L2TextContainer" presStyleLbl="bgAccFollowNode1" presStyleIdx="4" presStyleCnt="5"/>
+      <dgm:prSet presAssocID="{608E64B1-BCE6-2345-9206-158A812D3908}" presName="L2TextContainer" presStyleLbl="bgAccFollowNode1" presStyleIdx="5" presStyleCnt="6"/>
       <dgm:spPr/>
     </dgm:pt>
     <dgm:pt modelId="{8EEC93F8-728F-F04B-A0FB-0016D08B7EF3}" type="pres">
@@ -2831,11 +2975,11 @@
       <dgm:spPr/>
     </dgm:pt>
     <dgm:pt modelId="{0DA50117-4CC8-3646-B1DC-EA80C5FE2C5E}" type="pres">
-      <dgm:prSet presAssocID="{608E64B1-BCE6-2345-9206-158A812D3908}" presName="ConnectLine" presStyleLbl="sibTrans1D1" presStyleIdx="4" presStyleCnt="5"/>
+      <dgm:prSet presAssocID="{608E64B1-BCE6-2345-9206-158A812D3908}" presName="ConnectLine" presStyleLbl="sibTrans1D1" presStyleIdx="5" presStyleCnt="6"/>
       <dgm:spPr/>
     </dgm:pt>
     <dgm:pt modelId="{FA4E0BA2-AF6F-0444-8738-220319152F0A}" type="pres">
-      <dgm:prSet presAssocID="{608E64B1-BCE6-2345-9206-158A812D3908}" presName="ConnectorPoint" presStyleLbl="node1" presStyleIdx="4" presStyleCnt="5"/>
+      <dgm:prSet presAssocID="{608E64B1-BCE6-2345-9206-158A812D3908}" presName="ConnectorPoint" presStyleLbl="node1" presStyleIdx="5" presStyleCnt="6"/>
       <dgm:spPr>
         <a:gradFill rotWithShape="0">
           <a:gsLst>
@@ -2882,18 +3026,22 @@
     <dgm:cxn modelId="{67488F33-8FB4-DB4C-9761-16D1B3829BE6}" type="presOf" srcId="{5A5E0225-0736-4B85-92CF-677D44C10ED5}" destId="{3C6DC8B6-44E3-9349-9505-2A5B2354DFF4}" srcOrd="0" destOrd="0" presId="urn:microsoft.com/office/officeart/2017/3/layout/HorizontalLabelsTimeline"/>
     <dgm:cxn modelId="{6F02E647-0BAF-A043-9D67-F5836B1EC535}" type="presOf" srcId="{6F0C3657-3C4F-429F-A05A-2E0CD389D682}" destId="{F2EE0A7E-AD64-8844-83D4-6E1F6445BBCC}" srcOrd="0" destOrd="0" presId="urn:microsoft.com/office/officeart/2017/3/layout/HorizontalLabelsTimeline"/>
     <dgm:cxn modelId="{808BDC61-B7B0-F441-86E5-42D998B5D917}" type="presOf" srcId="{8816601A-2AC8-AB45-8860-6785ED44D06F}" destId="{F30D4E49-504F-A047-B2A2-8852C09011AD}" srcOrd="0" destOrd="0" presId="urn:microsoft.com/office/officeart/2017/3/layout/HorizontalLabelsTimeline"/>
-    <dgm:cxn modelId="{2798C063-3CBC-744F-A532-C69C5E9D10FB}" srcId="{AC3D631F-B0C2-474E-BF7D-F6D319A57E6D}" destId="{608E64B1-BCE6-2345-9206-158A812D3908}" srcOrd="4" destOrd="0" parTransId="{9C31E022-9EEF-0D48-BF1D-35D36BF6FF99}" sibTransId="{24500625-BD81-204B-A5DB-C0FFE7F5D64D}"/>
+    <dgm:cxn modelId="{2798C063-3CBC-744F-A532-C69C5E9D10FB}" srcId="{AC3D631F-B0C2-474E-BF7D-F6D319A57E6D}" destId="{608E64B1-BCE6-2345-9206-158A812D3908}" srcOrd="5" destOrd="0" parTransId="{9C31E022-9EEF-0D48-BF1D-35D36BF6FF99}" sibTransId="{24500625-BD81-204B-A5DB-C0FFE7F5D64D}"/>
     <dgm:cxn modelId="{7E538966-8963-9F42-BF54-1289A3F870DA}" type="presOf" srcId="{608E64B1-BCE6-2345-9206-158A812D3908}" destId="{D56D2EFD-2DF7-9E40-B2C7-9A8C1CF583D7}" srcOrd="0" destOrd="0" presId="urn:microsoft.com/office/officeart/2017/3/layout/HorizontalLabelsTimeline"/>
-    <dgm:cxn modelId="{F0A61A67-E3EA-48C1-A654-A0B5ADBB82BF}" srcId="{AC3D631F-B0C2-474E-BF7D-F6D319A57E6D}" destId="{68849048-2D78-4699-94E5-BCB4CD2C7C32}" srcOrd="1" destOrd="0" parTransId="{8B0AC49F-B871-4D3B-9AB4-C0FA5D37C81E}" sibTransId="{297AFDA6-F0D6-4C29-828A-0F1CC0B31D3D}"/>
+    <dgm:cxn modelId="{F0A61A67-E3EA-48C1-A654-A0B5ADBB82BF}" srcId="{AC3D631F-B0C2-474E-BF7D-F6D319A57E6D}" destId="{68849048-2D78-4699-94E5-BCB4CD2C7C32}" srcOrd="2" destOrd="0" parTransId="{8B0AC49F-B871-4D3B-9AB4-C0FA5D37C81E}" sibTransId="{297AFDA6-F0D6-4C29-828A-0F1CC0B31D3D}"/>
     <dgm:cxn modelId="{4DAA1E7B-330D-40FE-8959-B33EEE262E8D}" srcId="{68849048-2D78-4699-94E5-BCB4CD2C7C32}" destId="{6F0C3657-3C4F-429F-A05A-2E0CD389D682}" srcOrd="0" destOrd="0" parTransId="{398973FD-6235-45F9-8A88-7A2DD2425D92}" sibTransId="{E72E422F-5A6D-4E18-B050-5AC7C02DF0AC}"/>
+    <dgm:cxn modelId="{41F51E81-887D-8F4E-91CE-E2CF7C078BBD}" srcId="{AC3D631F-B0C2-474E-BF7D-F6D319A57E6D}" destId="{BBD2D8DD-B037-4943-BA07-8F0F788FCFC1}" srcOrd="1" destOrd="0" parTransId="{830F9A5C-3847-6742-9D4A-0847A5D9A774}" sibTransId="{68D75E2C-3EAA-BA41-9378-D3FC1067419F}"/>
     <dgm:cxn modelId="{1844F395-CFA9-7044-A999-F7133CC98E50}" type="presOf" srcId="{AC3D631F-B0C2-474E-BF7D-F6D319A57E6D}" destId="{5BBB38CA-5F31-CB49-812D-6835963DFF5E}" srcOrd="0" destOrd="0" presId="urn:microsoft.com/office/officeart/2017/3/layout/HorizontalLabelsTimeline"/>
     <dgm:cxn modelId="{6492BA97-2D81-F64E-A4D7-EF905D29CB31}" type="presOf" srcId="{7651AE02-238D-454E-BACD-9A250FFA905E}" destId="{24EDEF29-56B5-0143-A5BC-902B4798D262}" srcOrd="0" destOrd="0" presId="urn:microsoft.com/office/officeart/2017/3/layout/HorizontalLabelsTimeline"/>
     <dgm:cxn modelId="{BACCCE9A-CDB2-445B-A497-6DEFD18242DE}" srcId="{EE0A52EF-4535-41B6-BC2E-E379417322D0}" destId="{5A5E0225-0736-4B85-92CF-677D44C10ED5}" srcOrd="0" destOrd="0" parTransId="{5A69C0EE-71F6-490D-97A8-F51558B4C26E}" sibTransId="{947CB479-65A2-4085-BC48-BF065EE8CDCE}"/>
-    <dgm:cxn modelId="{5F0368A3-2801-48DD-8E24-CABB373D5B4E}" srcId="{AC3D631F-B0C2-474E-BF7D-F6D319A57E6D}" destId="{7651AE02-238D-454E-BACD-9A250FFA905E}" srcOrd="3" destOrd="0" parTransId="{BD10BBD0-16B0-4B2A-B2D2-636149D035FF}" sibTransId="{8A8768DF-49C3-4EC3-9357-9840A7FEFD3D}"/>
-    <dgm:cxn modelId="{20C774BE-09A1-4A64-A512-1AE6DAA7F6AE}" srcId="{AC3D631F-B0C2-474E-BF7D-F6D319A57E6D}" destId="{3B221898-4A43-41FA-9F7B-0E7AB6F9F822}" srcOrd="2" destOrd="0" parTransId="{B375FAA5-441A-4700-9608-7BABEFB1DC1C}" sibTransId="{4D028834-E07D-4DD3-980E-755DC4B1C39E}"/>
+    <dgm:cxn modelId="{5F0368A3-2801-48DD-8E24-CABB373D5B4E}" srcId="{AC3D631F-B0C2-474E-BF7D-F6D319A57E6D}" destId="{7651AE02-238D-454E-BACD-9A250FFA905E}" srcOrd="4" destOrd="0" parTransId="{BD10BBD0-16B0-4B2A-B2D2-636149D035FF}" sibTransId="{8A8768DF-49C3-4EC3-9357-9840A7FEFD3D}"/>
+    <dgm:cxn modelId="{20C774BE-09A1-4A64-A512-1AE6DAA7F6AE}" srcId="{AC3D631F-B0C2-474E-BF7D-F6D319A57E6D}" destId="{3B221898-4A43-41FA-9F7B-0E7AB6F9F822}" srcOrd="3" destOrd="0" parTransId="{B375FAA5-441A-4700-9608-7BABEFB1DC1C}" sibTransId="{4D028834-E07D-4DD3-980E-755DC4B1C39E}"/>
     <dgm:cxn modelId="{E5C576C5-F883-4CF3-8425-2A7DCD105DAB}" srcId="{AC3D631F-B0C2-474E-BF7D-F6D319A57E6D}" destId="{EE0A52EF-4535-41B6-BC2E-E379417322D0}" srcOrd="0" destOrd="0" parTransId="{E3D00E83-B60C-4058-ACAF-36810F4CB8CD}" sibTransId="{7D5DABD7-F3AE-453A-BF93-C24BEDDA9061}"/>
     <dgm:cxn modelId="{33999DC7-806B-4CC2-8427-2E0B23EA6BAB}" srcId="{7651AE02-238D-454E-BACD-9A250FFA905E}" destId="{557B9CD2-50AC-45FB-8391-33C8C36195F4}" srcOrd="0" destOrd="0" parTransId="{39AC6611-3F9A-4D45-BA95-F19949601FE2}" sibTransId="{CA5CB03C-8685-4333-A448-6CD0AA87BD01}"/>
+    <dgm:cxn modelId="{0CF7DBD1-41D0-DE4A-AC5C-386CABBD7B58}" type="presOf" srcId="{BBD2D8DD-B037-4943-BA07-8F0F788FCFC1}" destId="{FF9F79C9-F940-AD40-B4DE-DC3F66AD4D9A}" srcOrd="0" destOrd="0" presId="urn:microsoft.com/office/officeart/2017/3/layout/HorizontalLabelsTimeline"/>
     <dgm:cxn modelId="{25F6D5D3-8680-DD40-93C8-EFA7842DC706}" type="presOf" srcId="{3FEBDCD7-2447-48AE-B02B-6EDAB5AD01AD}" destId="{305971EE-C048-E04D-A80E-44F55CEE4901}" srcOrd="0" destOrd="0" presId="urn:microsoft.com/office/officeart/2017/3/layout/HorizontalLabelsTimeline"/>
+    <dgm:cxn modelId="{13BDDEEA-77ED-D142-A1F4-92618D159A29}" srcId="{BBD2D8DD-B037-4943-BA07-8F0F788FCFC1}" destId="{BF781F97-7ADF-D24A-8AF3-33AAF7B85936}" srcOrd="0" destOrd="0" parTransId="{03032361-398A-C440-A10A-A629F669EB72}" sibTransId="{53277134-AC2D-CC43-ABC7-68509592FDBA}"/>
+    <dgm:cxn modelId="{621EEFEA-F331-C148-8CE3-71B41239B48C}" type="presOf" srcId="{BF781F97-7ADF-D24A-8AF3-33AAF7B85936}" destId="{BBDFBE44-285D-4445-90DC-D871377FBB13}" srcOrd="0" destOrd="0" presId="urn:microsoft.com/office/officeart/2017/3/layout/HorizontalLabelsTimeline"/>
     <dgm:cxn modelId="{E16516F6-FBA8-41AD-8A2E-0FD94692C392}" srcId="{3B221898-4A43-41FA-9F7B-0E7AB6F9F822}" destId="{3FEBDCD7-2447-48AE-B02B-6EDAB5AD01AD}" srcOrd="0" destOrd="0" parTransId="{96EA557C-58E9-4F39-96D5-14F7CBEC9D7E}" sibTransId="{89656FB4-6D87-4710-8733-8038A4CE36B9}"/>
     <dgm:cxn modelId="{6D51FFFE-31E3-DA43-9EB0-495A3B45EE9A}" srcId="{608E64B1-BCE6-2345-9206-158A812D3908}" destId="{8816601A-2AC8-AB45-8860-6785ED44D06F}" srcOrd="0" destOrd="0" parTransId="{BA1B73EE-5618-BD42-AE7F-F5B6E7E825F2}" sibTransId="{EBE49AEC-9926-CF4E-8E04-EF06589E65CB}"/>
     <dgm:cxn modelId="{B399BE80-33CF-6A4E-A088-8DD2FD47AC4F}" type="presParOf" srcId="{5BBB38CA-5F31-CB49-812D-6835963DFF5E}" destId="{DF567DCC-71F4-1547-B9B3-4139A8B39E2D}" srcOrd="0" destOrd="0" presId="urn:microsoft.com/office/officeart/2017/3/layout/HorizontalLabelsTimeline"/>
@@ -2907,7 +3055,16 @@
     <dgm:cxn modelId="{1406DEF6-437C-8D48-924F-3892256E0F05}" type="presParOf" srcId="{47502D9C-8E5D-6C42-BD92-02D4183389BE}" destId="{5930FD49-B91F-4C45-A604-B4874E32B674}" srcOrd="3" destOrd="0" presId="urn:microsoft.com/office/officeart/2017/3/layout/HorizontalLabelsTimeline"/>
     <dgm:cxn modelId="{F5015A0C-F2F8-234B-8CB7-93E579800D3E}" type="presParOf" srcId="{47502D9C-8E5D-6C42-BD92-02D4183389BE}" destId="{8D736CAA-5A3F-DD45-926C-43C377268250}" srcOrd="4" destOrd="0" presId="urn:microsoft.com/office/officeart/2017/3/layout/HorizontalLabelsTimeline"/>
     <dgm:cxn modelId="{92B71F10-1C4E-FF44-8636-2840E7521813}" type="presParOf" srcId="{2A2F3539-3C86-A649-AA3F-9E192215C041}" destId="{4E8C50E7-D1C0-1D4D-A28E-BFF410F991A5}" srcOrd="1" destOrd="0" presId="urn:microsoft.com/office/officeart/2017/3/layout/HorizontalLabelsTimeline"/>
-    <dgm:cxn modelId="{05B38DDB-9A5D-CB41-AC2C-12C7C9AD3F38}" type="presParOf" srcId="{2A2F3539-3C86-A649-AA3F-9E192215C041}" destId="{06917E08-7DF8-EF45-B6A9-83AB6D7A10AB}" srcOrd="2" destOrd="0" presId="urn:microsoft.com/office/officeart/2017/3/layout/HorizontalLabelsTimeline"/>
+    <dgm:cxn modelId="{B3F6A0C4-10EA-2E4B-BEF0-ACDDAF157EEA}" type="presParOf" srcId="{2A2F3539-3C86-A649-AA3F-9E192215C041}" destId="{D0EAF8B7-ADE9-634A-B9B4-4CB986884CB3}" srcOrd="2" destOrd="0" presId="urn:microsoft.com/office/officeart/2017/3/layout/HorizontalLabelsTimeline"/>
+    <dgm:cxn modelId="{B7D81C06-02F1-DB4D-BF76-37858BE3B2EC}" type="presParOf" srcId="{D0EAF8B7-ADE9-634A-B9B4-4CB986884CB3}" destId="{FF9F79C9-F940-AD40-B4DE-DC3F66AD4D9A}" srcOrd="0" destOrd="0" presId="urn:microsoft.com/office/officeart/2017/3/layout/HorizontalLabelsTimeline"/>
+    <dgm:cxn modelId="{3A525A1C-E8CE-AA4F-A082-3A4469BF34A8}" type="presParOf" srcId="{D0EAF8B7-ADE9-634A-B9B4-4CB986884CB3}" destId="{62206DEA-07B6-D241-BF43-8627D876D906}" srcOrd="1" destOrd="0" presId="urn:microsoft.com/office/officeart/2017/3/layout/HorizontalLabelsTimeline"/>
+    <dgm:cxn modelId="{9C0BA60C-35B9-8440-B6A4-6ED44F9CE68A}" type="presParOf" srcId="{62206DEA-07B6-D241-BF43-8627D876D906}" destId="{BBDFBE44-285D-4445-90DC-D871377FBB13}" srcOrd="0" destOrd="0" presId="urn:microsoft.com/office/officeart/2017/3/layout/HorizontalLabelsTimeline"/>
+    <dgm:cxn modelId="{644617FA-D8F6-454C-8486-6FD6D6949A56}" type="presParOf" srcId="{62206DEA-07B6-D241-BF43-8627D876D906}" destId="{4783C39E-0C10-7B45-BE83-48C5A35DF6AF}" srcOrd="1" destOrd="0" presId="urn:microsoft.com/office/officeart/2017/3/layout/HorizontalLabelsTimeline"/>
+    <dgm:cxn modelId="{68A11C61-55E4-BA42-9B23-94927BFFD148}" type="presParOf" srcId="{D0EAF8B7-ADE9-634A-B9B4-4CB986884CB3}" destId="{3F00E910-1070-EE43-A77F-29135F35E69E}" srcOrd="2" destOrd="0" presId="urn:microsoft.com/office/officeart/2017/3/layout/HorizontalLabelsTimeline"/>
+    <dgm:cxn modelId="{0BDFE1B2-AB93-EA44-B149-F9181AFFC48A}" type="presParOf" srcId="{D0EAF8B7-ADE9-634A-B9B4-4CB986884CB3}" destId="{E79F7B2D-ECBE-3F42-AE31-806E3A38D349}" srcOrd="3" destOrd="0" presId="urn:microsoft.com/office/officeart/2017/3/layout/HorizontalLabelsTimeline"/>
+    <dgm:cxn modelId="{23B1B221-A151-3647-ABD5-258CF86E6118}" type="presParOf" srcId="{D0EAF8B7-ADE9-634A-B9B4-4CB986884CB3}" destId="{16E37DD2-3833-9048-B95F-B392C2833FDC}" srcOrd="4" destOrd="0" presId="urn:microsoft.com/office/officeart/2017/3/layout/HorizontalLabelsTimeline"/>
+    <dgm:cxn modelId="{6D14C5E7-ABF8-224A-BEE6-0481A4EEF81E}" type="presParOf" srcId="{2A2F3539-3C86-A649-AA3F-9E192215C041}" destId="{0B433509-A15D-2E44-8BB3-20DF392C5E2A}" srcOrd="3" destOrd="0" presId="urn:microsoft.com/office/officeart/2017/3/layout/HorizontalLabelsTimeline"/>
+    <dgm:cxn modelId="{05B38DDB-9A5D-CB41-AC2C-12C7C9AD3F38}" type="presParOf" srcId="{2A2F3539-3C86-A649-AA3F-9E192215C041}" destId="{06917E08-7DF8-EF45-B6A9-83AB6D7A10AB}" srcOrd="4" destOrd="0" presId="urn:microsoft.com/office/officeart/2017/3/layout/HorizontalLabelsTimeline"/>
     <dgm:cxn modelId="{C5A48E37-80D4-F546-86A2-D428DBCF78FD}" type="presParOf" srcId="{06917E08-7DF8-EF45-B6A9-83AB6D7A10AB}" destId="{3083D334-5EB1-5541-8413-D2F861423387}" srcOrd="0" destOrd="0" presId="urn:microsoft.com/office/officeart/2017/3/layout/HorizontalLabelsTimeline"/>
     <dgm:cxn modelId="{8031775C-6079-2B45-93A1-728A7C76F5D8}" type="presParOf" srcId="{06917E08-7DF8-EF45-B6A9-83AB6D7A10AB}" destId="{DA4C22A9-2268-8641-BEBA-509C8ADF76AB}" srcOrd="1" destOrd="0" presId="urn:microsoft.com/office/officeart/2017/3/layout/HorizontalLabelsTimeline"/>
     <dgm:cxn modelId="{8A7839BA-6C78-D243-B159-0FE696C293E8}" type="presParOf" srcId="{DA4C22A9-2268-8641-BEBA-509C8ADF76AB}" destId="{F2EE0A7E-AD64-8844-83D4-6E1F6445BBCC}" srcOrd="0" destOrd="0" presId="urn:microsoft.com/office/officeart/2017/3/layout/HorizontalLabelsTimeline"/>
@@ -2915,8 +3072,8 @@
     <dgm:cxn modelId="{4BCD2190-54D9-5748-A0D0-828B523E0BD0}" type="presParOf" srcId="{06917E08-7DF8-EF45-B6A9-83AB6D7A10AB}" destId="{7AE5BCC3-6F8A-9545-A89E-C66EB0E0DA57}" srcOrd="2" destOrd="0" presId="urn:microsoft.com/office/officeart/2017/3/layout/HorizontalLabelsTimeline"/>
     <dgm:cxn modelId="{8D888C69-8BE6-9949-A8BB-0CBA1EDAFCC6}" type="presParOf" srcId="{06917E08-7DF8-EF45-B6A9-83AB6D7A10AB}" destId="{33A20DBD-B153-2D41-94DE-1E58C3FBD156}" srcOrd="3" destOrd="0" presId="urn:microsoft.com/office/officeart/2017/3/layout/HorizontalLabelsTimeline"/>
     <dgm:cxn modelId="{68E966EE-0BED-0945-88C9-712ABA24DD34}" type="presParOf" srcId="{06917E08-7DF8-EF45-B6A9-83AB6D7A10AB}" destId="{E5962733-22D8-7145-8498-1B729B1C48E6}" srcOrd="4" destOrd="0" presId="urn:microsoft.com/office/officeart/2017/3/layout/HorizontalLabelsTimeline"/>
-    <dgm:cxn modelId="{569E3897-55CF-A548-AC7B-F50EBC274F9D}" type="presParOf" srcId="{2A2F3539-3C86-A649-AA3F-9E192215C041}" destId="{B3386665-2BFC-6041-B6B5-47F732CCD3A7}" srcOrd="3" destOrd="0" presId="urn:microsoft.com/office/officeart/2017/3/layout/HorizontalLabelsTimeline"/>
-    <dgm:cxn modelId="{E7C0B293-13CD-FD40-AF26-48FE0EEF4A82}" type="presParOf" srcId="{2A2F3539-3C86-A649-AA3F-9E192215C041}" destId="{AEFAE089-563E-2D44-9553-F0A99CB42E4E}" srcOrd="4" destOrd="0" presId="urn:microsoft.com/office/officeart/2017/3/layout/HorizontalLabelsTimeline"/>
+    <dgm:cxn modelId="{569E3897-55CF-A548-AC7B-F50EBC274F9D}" type="presParOf" srcId="{2A2F3539-3C86-A649-AA3F-9E192215C041}" destId="{B3386665-2BFC-6041-B6B5-47F732CCD3A7}" srcOrd="5" destOrd="0" presId="urn:microsoft.com/office/officeart/2017/3/layout/HorizontalLabelsTimeline"/>
+    <dgm:cxn modelId="{E7C0B293-13CD-FD40-AF26-48FE0EEF4A82}" type="presParOf" srcId="{2A2F3539-3C86-A649-AA3F-9E192215C041}" destId="{AEFAE089-563E-2D44-9553-F0A99CB42E4E}" srcOrd="6" destOrd="0" presId="urn:microsoft.com/office/officeart/2017/3/layout/HorizontalLabelsTimeline"/>
     <dgm:cxn modelId="{4DE59A74-92E4-554E-9547-34A4644D1F58}" type="presParOf" srcId="{AEFAE089-563E-2D44-9553-F0A99CB42E4E}" destId="{5FF70FA8-3EF0-9040-B11E-B07FEB74C510}" srcOrd="0" destOrd="0" presId="urn:microsoft.com/office/officeart/2017/3/layout/HorizontalLabelsTimeline"/>
     <dgm:cxn modelId="{CCF0C2DF-7E1C-2E49-8921-A8134415C228}" type="presParOf" srcId="{AEFAE089-563E-2D44-9553-F0A99CB42E4E}" destId="{63D023ED-E3EA-2C40-989C-76DBDA11DF1E}" srcOrd="1" destOrd="0" presId="urn:microsoft.com/office/officeart/2017/3/layout/HorizontalLabelsTimeline"/>
     <dgm:cxn modelId="{10C34E94-89F3-9147-8D19-888A81B0DFF9}" type="presParOf" srcId="{63D023ED-E3EA-2C40-989C-76DBDA11DF1E}" destId="{305971EE-C048-E04D-A80E-44F55CEE4901}" srcOrd="0" destOrd="0" presId="urn:microsoft.com/office/officeart/2017/3/layout/HorizontalLabelsTimeline"/>
@@ -2924,8 +3081,8 @@
     <dgm:cxn modelId="{041EA687-0E34-814D-A3C1-B9A922FC2271}" type="presParOf" srcId="{AEFAE089-563E-2D44-9553-F0A99CB42E4E}" destId="{760B0872-5B96-E749-92E9-86E87BA807A6}" srcOrd="2" destOrd="0" presId="urn:microsoft.com/office/officeart/2017/3/layout/HorizontalLabelsTimeline"/>
     <dgm:cxn modelId="{D2217853-377A-9B44-9553-63813F3A8511}" type="presParOf" srcId="{AEFAE089-563E-2D44-9553-F0A99CB42E4E}" destId="{B1730712-4B1B-334E-827D-CF3B32A401A6}" srcOrd="3" destOrd="0" presId="urn:microsoft.com/office/officeart/2017/3/layout/HorizontalLabelsTimeline"/>
     <dgm:cxn modelId="{6B679844-BE4C-924C-8028-20459CCE30FE}" type="presParOf" srcId="{AEFAE089-563E-2D44-9553-F0A99CB42E4E}" destId="{99029293-DBF9-8B48-A7BF-EFFDB9DAFEC3}" srcOrd="4" destOrd="0" presId="urn:microsoft.com/office/officeart/2017/3/layout/HorizontalLabelsTimeline"/>
-    <dgm:cxn modelId="{5347A5D5-6FB2-3445-A0DE-45931A7118F8}" type="presParOf" srcId="{2A2F3539-3C86-A649-AA3F-9E192215C041}" destId="{6D43A42A-2370-C748-85B6-33ED2BEF5234}" srcOrd="5" destOrd="0" presId="urn:microsoft.com/office/officeart/2017/3/layout/HorizontalLabelsTimeline"/>
-    <dgm:cxn modelId="{B49F3D83-40F2-684D-A726-62C0005E5D6D}" type="presParOf" srcId="{2A2F3539-3C86-A649-AA3F-9E192215C041}" destId="{4231C8F4-C915-134B-B3C6-C7230A4398E2}" srcOrd="6" destOrd="0" presId="urn:microsoft.com/office/officeart/2017/3/layout/HorizontalLabelsTimeline"/>
+    <dgm:cxn modelId="{5347A5D5-6FB2-3445-A0DE-45931A7118F8}" type="presParOf" srcId="{2A2F3539-3C86-A649-AA3F-9E192215C041}" destId="{6D43A42A-2370-C748-85B6-33ED2BEF5234}" srcOrd="7" destOrd="0" presId="urn:microsoft.com/office/officeart/2017/3/layout/HorizontalLabelsTimeline"/>
+    <dgm:cxn modelId="{B49F3D83-40F2-684D-A726-62C0005E5D6D}" type="presParOf" srcId="{2A2F3539-3C86-A649-AA3F-9E192215C041}" destId="{4231C8F4-C915-134B-B3C6-C7230A4398E2}" srcOrd="8" destOrd="0" presId="urn:microsoft.com/office/officeart/2017/3/layout/HorizontalLabelsTimeline"/>
     <dgm:cxn modelId="{E9B66A96-990C-4741-9531-22993713F56A}" type="presParOf" srcId="{4231C8F4-C915-134B-B3C6-C7230A4398E2}" destId="{24EDEF29-56B5-0143-A5BC-902B4798D262}" srcOrd="0" destOrd="0" presId="urn:microsoft.com/office/officeart/2017/3/layout/HorizontalLabelsTimeline"/>
     <dgm:cxn modelId="{9F263FFF-3C85-3845-BE6B-735F22107501}" type="presParOf" srcId="{4231C8F4-C915-134B-B3C6-C7230A4398E2}" destId="{B97FFB35-EF1A-134C-97BB-03258DC1FF58}" srcOrd="1" destOrd="0" presId="urn:microsoft.com/office/officeart/2017/3/layout/HorizontalLabelsTimeline"/>
     <dgm:cxn modelId="{CAAA4ABA-5C40-4041-BA7C-410391B89F6A}" type="presParOf" srcId="{B97FFB35-EF1A-134C-97BB-03258DC1FF58}" destId="{21B5E503-B4CC-2647-9B8E-598712D97A6A}" srcOrd="0" destOrd="0" presId="urn:microsoft.com/office/officeart/2017/3/layout/HorizontalLabelsTimeline"/>
@@ -2933,8 +3090,8 @@
     <dgm:cxn modelId="{F1425FFB-D39C-3C4A-B898-DA86858BDC82}" type="presParOf" srcId="{4231C8F4-C915-134B-B3C6-C7230A4398E2}" destId="{1DCE2870-D1D0-E14A-BEFC-9F74FEFE1700}" srcOrd="2" destOrd="0" presId="urn:microsoft.com/office/officeart/2017/3/layout/HorizontalLabelsTimeline"/>
     <dgm:cxn modelId="{AC085DB7-08F1-744C-BB4A-C41649BD87D8}" type="presParOf" srcId="{4231C8F4-C915-134B-B3C6-C7230A4398E2}" destId="{FE1215F4-0CBE-4C4A-A49D-CA471DEFD824}" srcOrd="3" destOrd="0" presId="urn:microsoft.com/office/officeart/2017/3/layout/HorizontalLabelsTimeline"/>
     <dgm:cxn modelId="{2FBCF576-00A0-7C46-A438-24D02B92BFDA}" type="presParOf" srcId="{4231C8F4-C915-134B-B3C6-C7230A4398E2}" destId="{CE2D5AC9-0294-6244-BB7D-1F3E534F26E5}" srcOrd="4" destOrd="0" presId="urn:microsoft.com/office/officeart/2017/3/layout/HorizontalLabelsTimeline"/>
-    <dgm:cxn modelId="{D00127D3-C21B-EF4E-B646-440569E3F43A}" type="presParOf" srcId="{2A2F3539-3C86-A649-AA3F-9E192215C041}" destId="{18E60A77-06BC-A14B-9560-BA583603A9D5}" srcOrd="7" destOrd="0" presId="urn:microsoft.com/office/officeart/2017/3/layout/HorizontalLabelsTimeline"/>
-    <dgm:cxn modelId="{334DCC4D-16AB-B443-930B-0F332AEB7F79}" type="presParOf" srcId="{2A2F3539-3C86-A649-AA3F-9E192215C041}" destId="{72F79F05-5444-6848-BD89-61D885C00AFC}" srcOrd="8" destOrd="0" presId="urn:microsoft.com/office/officeart/2017/3/layout/HorizontalLabelsTimeline"/>
+    <dgm:cxn modelId="{D00127D3-C21B-EF4E-B646-440569E3F43A}" type="presParOf" srcId="{2A2F3539-3C86-A649-AA3F-9E192215C041}" destId="{18E60A77-06BC-A14B-9560-BA583603A9D5}" srcOrd="9" destOrd="0" presId="urn:microsoft.com/office/officeart/2017/3/layout/HorizontalLabelsTimeline"/>
+    <dgm:cxn modelId="{334DCC4D-16AB-B443-930B-0F332AEB7F79}" type="presParOf" srcId="{2A2F3539-3C86-A649-AA3F-9E192215C041}" destId="{72F79F05-5444-6848-BD89-61D885C00AFC}" srcOrd="10" destOrd="0" presId="urn:microsoft.com/office/officeart/2017/3/layout/HorizontalLabelsTimeline"/>
     <dgm:cxn modelId="{8FA866B5-82E1-8F40-9EFB-66D143631C7E}" type="presParOf" srcId="{72F79F05-5444-6848-BD89-61D885C00AFC}" destId="{D56D2EFD-2DF7-9E40-B2C7-9A8C1CF583D7}" srcOrd="0" destOrd="0" presId="urn:microsoft.com/office/officeart/2017/3/layout/HorizontalLabelsTimeline"/>
     <dgm:cxn modelId="{06814397-A134-544C-B9A9-5CA1120AF019}" type="presParOf" srcId="{72F79F05-5444-6848-BD89-61D885C00AFC}" destId="{FD9E0940-16A4-4E45-B8FF-7C063B0EC860}" srcOrd="1" destOrd="0" presId="urn:microsoft.com/office/officeart/2017/3/layout/HorizontalLabelsTimeline"/>
     <dgm:cxn modelId="{12A1BE14-53AC-6543-AD94-456D3425183B}" type="presParOf" srcId="{FD9E0940-16A4-4E45-B8FF-7C063B0EC860}" destId="{F30D4E49-504F-A047-B2A2-8852C09011AD}" srcOrd="0" destOrd="0" presId="urn:microsoft.com/office/officeart/2017/3/layout/HorizontalLabelsTimeline"/>
@@ -3431,7 +3588,7 @@
           </a:pPr>
           <a:r>
             <a:rPr lang="en-US" sz="2800" kern="1200" baseline="0" dirty="0"/>
-            <a:t>Future Goals:</a:t>
+            <a:t>Future:</a:t>
           </a:r>
           <a:endParaRPr lang="en-US" sz="2800" kern="1200" dirty="0"/>
         </a:p>
@@ -3508,8 +3665,8 @@
       </dsp:nvSpPr>
       <dsp:spPr>
         <a:xfrm>
-          <a:off x="196524" y="1110234"/>
-          <a:ext cx="2813601" cy="429768"/>
+          <a:off x="165723" y="1110234"/>
+          <a:ext cx="2413426" cy="429768"/>
         </a:xfrm>
         <a:prstGeom prst="rect">
           <a:avLst/>
@@ -3600,13 +3757,13 @@
           </a:pPr>
           <a:r>
             <a:rPr lang="en-US" sz="2000" kern="1200" dirty="0"/>
-            <a:t>September 27th</a:t>
+            <a:t>October 1st</a:t>
           </a:r>
         </a:p>
       </dsp:txBody>
       <dsp:txXfrm>
-        <a:off x="196524" y="1110234"/>
-        <a:ext cx="2813601" cy="429768"/>
+        <a:off x="165723" y="1110234"/>
+        <a:ext cx="2413426" cy="429768"/>
       </dsp:txXfrm>
     </dsp:sp>
     <dsp:sp modelId="{3C6DC8B6-44E3-9349-9505-2A5B2354DFF4}">
@@ -3616,8 +3773,8 @@
       </dsp:nvSpPr>
       <dsp:spPr>
         <a:xfrm>
-          <a:off x="196524" y="163065"/>
-          <a:ext cx="2813601" cy="947168"/>
+          <a:off x="165723" y="0"/>
+          <a:ext cx="2413426" cy="1110234"/>
         </a:xfrm>
         <a:prstGeom prst="rect">
           <a:avLst/>
@@ -3678,14 +3835,14 @@
             <a:buNone/>
           </a:pPr>
           <a:r>
-            <a:rPr lang="en-US" sz="1600" kern="1200"/>
+            <a:rPr lang="en-US" sz="1600" kern="1200" dirty="0"/>
             <a:t>Create basic “Hello World” app that contains all views and set up GitHub repository</a:t>
           </a:r>
         </a:p>
       </dsp:txBody>
       <dsp:txXfrm>
-        <a:off x="196524" y="163065"/>
-        <a:ext cx="2813601" cy="947168"/>
+        <a:off x="165723" y="0"/>
+        <a:ext cx="2413426" cy="1110234"/>
       </dsp:txXfrm>
     </dsp:sp>
     <dsp:sp modelId="{DD200026-A2FC-E345-852D-FB8F9A4BC401}">
@@ -3695,7 +3852,7 @@
       </dsp:nvSpPr>
       <dsp:spPr>
         <a:xfrm>
-          <a:off x="1603325" y="1540002"/>
+          <a:off x="1372437" y="1540002"/>
           <a:ext cx="0" cy="250698"/>
         </a:xfrm>
         <a:prstGeom prst="line">
@@ -3728,15 +3885,15 @@
         <a:fontRef idx="minor"/>
       </dsp:style>
     </dsp:sp>
-    <dsp:sp modelId="{3083D334-5EB1-5541-8413-D2F861423387}">
+    <dsp:sp modelId="{FF9F79C9-F940-AD40-B4DE-DC3F66AD4D9A}">
       <dsp:nvSpPr>
         <dsp:cNvPr id="0" name=""/>
         <dsp:cNvSpPr/>
       </dsp:nvSpPr>
       <dsp:spPr>
         <a:xfrm>
-          <a:off x="1795161" y="2041398"/>
-          <a:ext cx="2813601" cy="429768"/>
+          <a:off x="1536988" y="2041398"/>
+          <a:ext cx="2413426" cy="429768"/>
         </a:xfrm>
         <a:prstGeom prst="rect">
           <a:avLst/>
@@ -3745,9 +3902,9 @@
           <a:gsLst>
             <a:gs pos="0">
               <a:schemeClr val="accent5">
-                <a:hueOff val="2208089"/>
-                <a:satOff val="7189"/>
-                <a:lumOff val="2500"/>
+                <a:hueOff val="1766471"/>
+                <a:satOff val="5752"/>
+                <a:lumOff val="2000"/>
                 <a:alphaOff val="0"/>
                 <a:tint val="94000"/>
                 <a:satMod val="103000"/>
@@ -3756,9 +3913,9 @@
             </a:gs>
             <a:gs pos="50000">
               <a:schemeClr val="accent5">
-                <a:hueOff val="2208089"/>
-                <a:satOff val="7189"/>
-                <a:lumOff val="2500"/>
+                <a:hueOff val="1766471"/>
+                <a:satOff val="5752"/>
+                <a:lumOff val="2000"/>
                 <a:alphaOff val="0"/>
                 <a:shade val="100000"/>
                 <a:satMod val="110000"/>
@@ -3767,9 +3924,9 @@
             </a:gs>
             <a:gs pos="100000">
               <a:schemeClr val="accent5">
-                <a:hueOff val="2208089"/>
-                <a:satOff val="7189"/>
-                <a:lumOff val="2500"/>
+                <a:hueOff val="1766471"/>
+                <a:satOff val="5752"/>
+                <a:lumOff val="2000"/>
                 <a:alphaOff val="0"/>
                 <a:shade val="78000"/>
                 <a:satMod val="120000"/>
@@ -3782,9 +3939,373 @@
         <a:ln w="6350" cap="flat" cmpd="sng" algn="in">
           <a:solidFill>
             <a:schemeClr val="accent5">
-              <a:hueOff val="2208089"/>
-              <a:satOff val="7189"/>
-              <a:lumOff val="2500"/>
+              <a:hueOff val="1766471"/>
+              <a:satOff val="5752"/>
+              <a:lumOff val="2000"/>
+              <a:alphaOff val="0"/>
+            </a:schemeClr>
+          </a:solidFill>
+          <a:prstDash val="solid"/>
+        </a:ln>
+        <a:effectLst/>
+      </dsp:spPr>
+      <dsp:style>
+        <a:lnRef idx="1">
+          <a:scrgbClr r="0" g="0" b="0"/>
+        </a:lnRef>
+        <a:fillRef idx="3">
+          <a:scrgbClr r="0" g="0" b="0"/>
+        </a:fillRef>
+        <a:effectRef idx="2">
+          <a:scrgbClr r="0" g="0" b="0"/>
+        </a:effectRef>
+        <a:fontRef idx="minor">
+          <a:schemeClr val="lt1"/>
+        </a:fontRef>
+      </dsp:style>
+      <dsp:txBody>
+        <a:bodyPr spcFirstLastPara="0" vert="horz" wrap="square" lIns="101600" tIns="101600" rIns="101600" bIns="101600" numCol="1" spcCol="1270" anchor="ctr" anchorCtr="0">
+          <a:noAutofit/>
+        </a:bodyPr>
+        <a:lstStyle/>
+        <a:p>
+          <a:pPr marL="0" lvl="0" indent="0" algn="ctr" defTabSz="889000">
+            <a:lnSpc>
+              <a:spcPct val="90000"/>
+            </a:lnSpc>
+            <a:spcBef>
+              <a:spcPct val="0"/>
+            </a:spcBef>
+            <a:spcAft>
+              <a:spcPct val="35000"/>
+            </a:spcAft>
+            <a:buNone/>
+            <a:defRPr b="1"/>
+          </a:pPr>
+          <a:r>
+            <a:rPr lang="en-US" sz="2000" b="1" kern="1200" dirty="0">
+              <a:solidFill>
+                <a:prstClr val="white"/>
+              </a:solidFill>
+              <a:latin typeface="Franklin Gothic Book" panose="020B0503020102020204"/>
+              <a:ea typeface="+mn-ea"/>
+              <a:cs typeface="+mn-cs"/>
+            </a:rPr>
+            <a:t>November 1st</a:t>
+          </a:r>
+        </a:p>
+      </dsp:txBody>
+      <dsp:txXfrm>
+        <a:off x="1536988" y="2041398"/>
+        <a:ext cx="2413426" cy="429768"/>
+      </dsp:txXfrm>
+    </dsp:sp>
+    <dsp:sp modelId="{BBDFBE44-285D-4445-90DC-D871377FBB13}">
+      <dsp:nvSpPr>
+        <dsp:cNvPr id="0" name=""/>
+        <dsp:cNvSpPr/>
+      </dsp:nvSpPr>
+      <dsp:spPr>
+        <a:xfrm>
+          <a:off x="1536988" y="2471166"/>
+          <a:ext cx="2413426" cy="730672"/>
+        </a:xfrm>
+        <a:prstGeom prst="rect">
+          <a:avLst/>
+        </a:prstGeom>
+        <a:solidFill>
+          <a:schemeClr val="accent5">
+            <a:tint val="40000"/>
+            <a:alpha val="90000"/>
+            <a:hueOff val="1756119"/>
+            <a:satOff val="5893"/>
+            <a:lumOff val="603"/>
+            <a:alphaOff val="0"/>
+          </a:schemeClr>
+        </a:solidFill>
+        <a:ln w="6350" cap="flat" cmpd="sng" algn="in">
+          <a:solidFill>
+            <a:schemeClr val="accent5">
+              <a:tint val="40000"/>
+              <a:alpha val="90000"/>
+              <a:hueOff val="1756119"/>
+              <a:satOff val="5893"/>
+              <a:lumOff val="603"/>
+              <a:alphaOff val="0"/>
+            </a:schemeClr>
+          </a:solidFill>
+          <a:prstDash val="solid"/>
+        </a:ln>
+        <a:effectLst/>
+      </dsp:spPr>
+      <dsp:style>
+        <a:lnRef idx="1">
+          <a:scrgbClr r="0" g="0" b="0"/>
+        </a:lnRef>
+        <a:fillRef idx="1">
+          <a:scrgbClr r="0" g="0" b="0"/>
+        </a:fillRef>
+        <a:effectRef idx="0">
+          <a:scrgbClr r="0" g="0" b="0"/>
+        </a:effectRef>
+        <a:fontRef idx="minor"/>
+      </dsp:style>
+      <dsp:txBody>
+        <a:bodyPr spcFirstLastPara="0" vert="horz" wrap="square" lIns="152400" tIns="152400" rIns="152400" bIns="152400" numCol="1" spcCol="1270" anchor="ctr" anchorCtr="0">
+          <a:noAutofit/>
+        </a:bodyPr>
+        <a:lstStyle/>
+        <a:p>
+          <a:pPr marL="0" lvl="0" indent="0" algn="l" defTabSz="711200">
+            <a:lnSpc>
+              <a:spcPct val="90000"/>
+            </a:lnSpc>
+            <a:spcBef>
+              <a:spcPct val="0"/>
+            </a:spcBef>
+            <a:spcAft>
+              <a:spcPct val="35000"/>
+            </a:spcAft>
+            <a:buNone/>
+          </a:pPr>
+          <a:r>
+            <a:rPr lang="en-US" sz="1600" kern="1200" dirty="0">
+              <a:solidFill>
+                <a:prstClr val="black">
+                  <a:hueOff val="0"/>
+                  <a:satOff val="0"/>
+                  <a:lumOff val="0"/>
+                  <a:alphaOff val="0"/>
+                </a:prstClr>
+              </a:solidFill>
+              <a:latin typeface="Franklin Gothic Book" panose="020B0503020102020204"/>
+              <a:ea typeface="+mn-ea"/>
+              <a:cs typeface="+mn-cs"/>
+            </a:rPr>
+            <a:t>Learn Swift to a point that I'm comfortable</a:t>
+          </a:r>
+        </a:p>
+      </dsp:txBody>
+      <dsp:txXfrm>
+        <a:off x="1536988" y="2471166"/>
+        <a:ext cx="2413426" cy="730672"/>
+      </dsp:txXfrm>
+    </dsp:sp>
+    <dsp:sp modelId="{3F00E910-1070-EE43-A77F-29135F35E69E}">
+      <dsp:nvSpPr>
+        <dsp:cNvPr id="0" name=""/>
+        <dsp:cNvSpPr/>
+      </dsp:nvSpPr>
+      <dsp:spPr>
+        <a:xfrm>
+          <a:off x="2743702" y="1790699"/>
+          <a:ext cx="0" cy="250698"/>
+        </a:xfrm>
+        <a:prstGeom prst="line">
+          <a:avLst/>
+        </a:prstGeom>
+        <a:noFill/>
+        <a:ln w="6350" cap="flat" cmpd="sng" algn="in">
+          <a:solidFill>
+            <a:schemeClr val="accent5">
+              <a:hueOff val="1766471"/>
+              <a:satOff val="5752"/>
+              <a:lumOff val="2000"/>
+              <a:alphaOff val="0"/>
+            </a:schemeClr>
+          </a:solidFill>
+          <a:prstDash val="solid"/>
+        </a:ln>
+        <a:effectLst/>
+      </dsp:spPr>
+      <dsp:style>
+        <a:lnRef idx="1">
+          <a:scrgbClr r="0" g="0" b="0"/>
+        </a:lnRef>
+        <a:fillRef idx="0">
+          <a:scrgbClr r="0" g="0" b="0"/>
+        </a:fillRef>
+        <a:effectRef idx="0">
+          <a:scrgbClr r="0" g="0" b="0"/>
+        </a:effectRef>
+        <a:fontRef idx="minor"/>
+      </dsp:style>
+    </dsp:sp>
+    <dsp:sp modelId="{5930FD49-B91F-4C45-A604-B4874E32B674}">
+      <dsp:nvSpPr>
+        <dsp:cNvPr id="0" name=""/>
+        <dsp:cNvSpPr/>
+      </dsp:nvSpPr>
+      <dsp:spPr>
+        <a:xfrm rot="2700000">
+          <a:off x="1344580" y="1762843"/>
+          <a:ext cx="55713" cy="55713"/>
+        </a:xfrm>
+        <a:prstGeom prst="rect">
+          <a:avLst/>
+        </a:prstGeom>
+        <a:gradFill rotWithShape="0">
+          <a:gsLst>
+            <a:gs pos="0">
+              <a:schemeClr val="accent5">
+                <a:tint val="94000"/>
+                <a:satMod val="103000"/>
+                <a:lumMod val="102000"/>
+              </a:schemeClr>
+            </a:gs>
+            <a:gs pos="50000">
+              <a:schemeClr val="accent5">
+                <a:shade val="100000"/>
+                <a:satMod val="110000"/>
+                <a:lumMod val="100000"/>
+              </a:schemeClr>
+            </a:gs>
+            <a:gs pos="100000">
+              <a:schemeClr val="accent5">
+                <a:shade val="78000"/>
+                <a:satMod val="120000"/>
+                <a:lumMod val="99000"/>
+              </a:schemeClr>
+            </a:gs>
+          </a:gsLst>
+          <a:lin ang="5400000" scaled="0"/>
+        </a:gradFill>
+        <a:ln w="6350">
+          <a:noFill/>
+        </a:ln>
+        <a:effectLst/>
+      </dsp:spPr>
+      <dsp:style>
+        <a:lnRef idx="0">
+          <a:scrgbClr r="0" g="0" b="0"/>
+        </a:lnRef>
+        <a:fillRef idx="3">
+          <a:scrgbClr r="0" g="0" b="0"/>
+        </a:fillRef>
+        <a:effectRef idx="2">
+          <a:scrgbClr r="0" g="0" b="0"/>
+        </a:effectRef>
+        <a:fontRef idx="minor">
+          <a:schemeClr val="lt1"/>
+        </a:fontRef>
+      </dsp:style>
+    </dsp:sp>
+    <dsp:sp modelId="{E79F7B2D-ECBE-3F42-AE31-806E3A38D349}">
+      <dsp:nvSpPr>
+        <dsp:cNvPr id="0" name=""/>
+        <dsp:cNvSpPr/>
+      </dsp:nvSpPr>
+      <dsp:spPr>
+        <a:xfrm rot="2700000">
+          <a:off x="2715845" y="1762843"/>
+          <a:ext cx="55713" cy="55713"/>
+        </a:xfrm>
+        <a:prstGeom prst="rect">
+          <a:avLst/>
+        </a:prstGeom>
+        <a:gradFill rotWithShape="0">
+          <a:gsLst>
+            <a:gs pos="0">
+              <a:schemeClr val="accent5">
+                <a:tint val="94000"/>
+                <a:satMod val="103000"/>
+                <a:lumMod val="102000"/>
+              </a:schemeClr>
+            </a:gs>
+            <a:gs pos="50000">
+              <a:schemeClr val="accent5">
+                <a:shade val="100000"/>
+                <a:satMod val="110000"/>
+                <a:lumMod val="100000"/>
+              </a:schemeClr>
+            </a:gs>
+            <a:gs pos="100000">
+              <a:schemeClr val="accent5">
+                <a:shade val="78000"/>
+                <a:satMod val="120000"/>
+                <a:lumMod val="99000"/>
+              </a:schemeClr>
+            </a:gs>
+          </a:gsLst>
+          <a:lin ang="5400000" scaled="0"/>
+        </a:gradFill>
+        <a:ln w="6350">
+          <a:noFill/>
+        </a:ln>
+        <a:effectLst/>
+      </dsp:spPr>
+      <dsp:style>
+        <a:lnRef idx="0">
+          <a:scrgbClr r="0" g="0" b="0"/>
+        </a:lnRef>
+        <a:fillRef idx="3">
+          <a:scrgbClr r="0" g="0" b="0"/>
+        </a:fillRef>
+        <a:effectRef idx="2">
+          <a:scrgbClr r="0" g="0" b="0"/>
+        </a:effectRef>
+        <a:fontRef idx="minor">
+          <a:schemeClr val="lt1"/>
+        </a:fontRef>
+      </dsp:style>
+    </dsp:sp>
+    <dsp:sp modelId="{3083D334-5EB1-5541-8413-D2F861423387}">
+      <dsp:nvSpPr>
+        <dsp:cNvPr id="0" name=""/>
+        <dsp:cNvSpPr/>
+      </dsp:nvSpPr>
+      <dsp:spPr>
+        <a:xfrm>
+          <a:off x="2908254" y="1110234"/>
+          <a:ext cx="2413426" cy="429768"/>
+        </a:xfrm>
+        <a:prstGeom prst="rect">
+          <a:avLst/>
+        </a:prstGeom>
+        <a:gradFill rotWithShape="0">
+          <a:gsLst>
+            <a:gs pos="0">
+              <a:schemeClr val="accent5">
+                <a:hueOff val="3532942"/>
+                <a:satOff val="11503"/>
+                <a:lumOff val="4000"/>
+                <a:alphaOff val="0"/>
+                <a:tint val="94000"/>
+                <a:satMod val="103000"/>
+                <a:lumMod val="102000"/>
+              </a:schemeClr>
+            </a:gs>
+            <a:gs pos="50000">
+              <a:schemeClr val="accent5">
+                <a:hueOff val="3532942"/>
+                <a:satOff val="11503"/>
+                <a:lumOff val="4000"/>
+                <a:alphaOff val="0"/>
+                <a:shade val="100000"/>
+                <a:satMod val="110000"/>
+                <a:lumMod val="100000"/>
+              </a:schemeClr>
+            </a:gs>
+            <a:gs pos="100000">
+              <a:schemeClr val="accent5">
+                <a:hueOff val="3532942"/>
+                <a:satOff val="11503"/>
+                <a:lumOff val="4000"/>
+                <a:alphaOff val="0"/>
+                <a:shade val="78000"/>
+                <a:satMod val="120000"/>
+                <a:lumMod val="99000"/>
+              </a:schemeClr>
+            </a:gs>
+          </a:gsLst>
+          <a:lin ang="5400000" scaled="0"/>
+        </a:gradFill>
+        <a:ln w="6350" cap="flat" cmpd="sng" algn="in">
+          <a:solidFill>
+            <a:schemeClr val="accent5">
+              <a:hueOff val="3532942"/>
+              <a:satOff val="11503"/>
+              <a:lumOff val="4000"/>
               <a:alphaOff val="0"/>
             </a:schemeClr>
           </a:solidFill>
@@ -3839,8 +4360,8 @@
         </a:p>
       </dsp:txBody>
       <dsp:txXfrm>
-        <a:off x="1795161" y="2041398"/>
-        <a:ext cx="2813601" cy="429768"/>
+        <a:off x="2908254" y="1110234"/>
+        <a:ext cx="2413426" cy="429768"/>
       </dsp:txXfrm>
     </dsp:sp>
     <dsp:sp modelId="{F2EE0A7E-AD64-8844-83D4-6E1F6445BBCC}">
@@ -3850,8 +4371,8 @@
       </dsp:nvSpPr>
       <dsp:spPr>
         <a:xfrm>
-          <a:off x="1795161" y="2471166"/>
-          <a:ext cx="2813601" cy="730672"/>
+          <a:off x="2908254" y="379561"/>
+          <a:ext cx="2413426" cy="730672"/>
         </a:xfrm>
         <a:prstGeom prst="rect">
           <a:avLst/>
@@ -3860,9 +4381,9 @@
           <a:schemeClr val="accent5">
             <a:tint val="40000"/>
             <a:alpha val="90000"/>
-            <a:hueOff val="2195148"/>
-            <a:satOff val="7367"/>
-            <a:lumOff val="754"/>
+            <a:hueOff val="3512237"/>
+            <a:satOff val="11787"/>
+            <a:lumOff val="1206"/>
             <a:alphaOff val="0"/>
           </a:schemeClr>
         </a:solidFill>
@@ -3871,9 +4392,9 @@
             <a:schemeClr val="accent5">
               <a:tint val="40000"/>
               <a:alpha val="90000"/>
-              <a:hueOff val="2195148"/>
-              <a:satOff val="7367"/>
-              <a:lumOff val="754"/>
+              <a:hueOff val="3512237"/>
+              <a:satOff val="11787"/>
+              <a:lumOff val="1206"/>
               <a:alphaOff val="0"/>
             </a:schemeClr>
           </a:solidFill>
@@ -3918,8 +4439,8 @@
         </a:p>
       </dsp:txBody>
       <dsp:txXfrm>
-        <a:off x="1795161" y="2471166"/>
-        <a:ext cx="2813601" cy="730672"/>
+        <a:off x="2908254" y="379561"/>
+        <a:ext cx="2413426" cy="730672"/>
       </dsp:txXfrm>
     </dsp:sp>
     <dsp:sp modelId="{7AE5BCC3-6F8A-9545-A89E-C66EB0E0DA57}">
@@ -3929,7 +4450,7 @@
       </dsp:nvSpPr>
       <dsp:spPr>
         <a:xfrm>
-          <a:off x="3201962" y="1790699"/>
+          <a:off x="4114967" y="1540002"/>
           <a:ext cx="0" cy="250698"/>
         </a:xfrm>
         <a:prstGeom prst="line">
@@ -3939,9 +4460,9 @@
         <a:ln w="6350" cap="flat" cmpd="sng" algn="in">
           <a:solidFill>
             <a:schemeClr val="accent5">
-              <a:hueOff val="2208089"/>
-              <a:satOff val="7189"/>
-              <a:lumOff val="2500"/>
+              <a:hueOff val="3532942"/>
+              <a:satOff val="11503"/>
+              <a:lumOff val="4000"/>
               <a:alphaOff val="0"/>
             </a:schemeClr>
           </a:solidFill>
@@ -3962,15 +4483,15 @@
         <a:fontRef idx="minor"/>
       </dsp:style>
     </dsp:sp>
-    <dsp:sp modelId="{5930FD49-B91F-4C45-A604-B4874E32B674}">
+    <dsp:sp modelId="{5FF70FA8-3EF0-9040-B11E-B07FEB74C510}">
       <dsp:nvSpPr>
         <dsp:cNvPr id="0" name=""/>
         <dsp:cNvSpPr/>
       </dsp:nvSpPr>
       <dsp:spPr>
-        <a:xfrm rot="2700000">
-          <a:off x="1575468" y="1762843"/>
-          <a:ext cx="55713" cy="55713"/>
+        <a:xfrm>
+          <a:off x="4279519" y="2041398"/>
+          <a:ext cx="2413426" cy="429768"/>
         </a:xfrm>
         <a:prstGeom prst="rect">
           <a:avLst/>
@@ -3979,127 +4500,9 @@
           <a:gsLst>
             <a:gs pos="0">
               <a:schemeClr val="accent5">
-                <a:tint val="94000"/>
-                <a:satMod val="103000"/>
-                <a:lumMod val="102000"/>
-              </a:schemeClr>
-            </a:gs>
-            <a:gs pos="50000">
-              <a:schemeClr val="accent5">
-                <a:shade val="100000"/>
-                <a:satMod val="110000"/>
-                <a:lumMod val="100000"/>
-              </a:schemeClr>
-            </a:gs>
-            <a:gs pos="100000">
-              <a:schemeClr val="accent5">
-                <a:shade val="78000"/>
-                <a:satMod val="120000"/>
-                <a:lumMod val="99000"/>
-              </a:schemeClr>
-            </a:gs>
-          </a:gsLst>
-          <a:lin ang="5400000" scaled="0"/>
-        </a:gradFill>
-        <a:ln w="6350">
-          <a:noFill/>
-        </a:ln>
-        <a:effectLst/>
-      </dsp:spPr>
-      <dsp:style>
-        <a:lnRef idx="0">
-          <a:scrgbClr r="0" g="0" b="0"/>
-        </a:lnRef>
-        <a:fillRef idx="3">
-          <a:scrgbClr r="0" g="0" b="0"/>
-        </a:fillRef>
-        <a:effectRef idx="2">
-          <a:scrgbClr r="0" g="0" b="0"/>
-        </a:effectRef>
-        <a:fontRef idx="minor">
-          <a:schemeClr val="lt1"/>
-        </a:fontRef>
-      </dsp:style>
-    </dsp:sp>
-    <dsp:sp modelId="{33A20DBD-B153-2D41-94DE-1E58C3FBD156}">
-      <dsp:nvSpPr>
-        <dsp:cNvPr id="0" name=""/>
-        <dsp:cNvSpPr/>
-      </dsp:nvSpPr>
-      <dsp:spPr>
-        <a:xfrm rot="2700000">
-          <a:off x="3174105" y="1762843"/>
-          <a:ext cx="55713" cy="55713"/>
-        </a:xfrm>
-        <a:prstGeom prst="rect">
-          <a:avLst/>
-        </a:prstGeom>
-        <a:gradFill rotWithShape="0">
-          <a:gsLst>
-            <a:gs pos="0">
-              <a:schemeClr val="accent5">
-                <a:tint val="94000"/>
-                <a:satMod val="103000"/>
-                <a:lumMod val="102000"/>
-              </a:schemeClr>
-            </a:gs>
-            <a:gs pos="50000">
-              <a:schemeClr val="accent5">
-                <a:shade val="100000"/>
-                <a:satMod val="110000"/>
-                <a:lumMod val="100000"/>
-              </a:schemeClr>
-            </a:gs>
-            <a:gs pos="100000">
-              <a:schemeClr val="accent5">
-                <a:shade val="78000"/>
-                <a:satMod val="120000"/>
-                <a:lumMod val="99000"/>
-              </a:schemeClr>
-            </a:gs>
-          </a:gsLst>
-          <a:lin ang="5400000" scaled="0"/>
-        </a:gradFill>
-        <a:ln w="6350">
-          <a:noFill/>
-        </a:ln>
-        <a:effectLst/>
-      </dsp:spPr>
-      <dsp:style>
-        <a:lnRef idx="0">
-          <a:scrgbClr r="0" g="0" b="0"/>
-        </a:lnRef>
-        <a:fillRef idx="3">
-          <a:scrgbClr r="0" g="0" b="0"/>
-        </a:fillRef>
-        <a:effectRef idx="2">
-          <a:scrgbClr r="0" g="0" b="0"/>
-        </a:effectRef>
-        <a:fontRef idx="minor">
-          <a:schemeClr val="lt1"/>
-        </a:fontRef>
-      </dsp:style>
-    </dsp:sp>
-    <dsp:sp modelId="{5FF70FA8-3EF0-9040-B11E-B07FEB74C510}">
-      <dsp:nvSpPr>
-        <dsp:cNvPr id="0" name=""/>
-        <dsp:cNvSpPr/>
-      </dsp:nvSpPr>
-      <dsp:spPr>
-        <a:xfrm>
-          <a:off x="3393799" y="1110234"/>
-          <a:ext cx="2813601" cy="429768"/>
-        </a:xfrm>
-        <a:prstGeom prst="rect">
-          <a:avLst/>
-        </a:prstGeom>
-        <a:gradFill rotWithShape="0">
-          <a:gsLst>
-            <a:gs pos="0">
-              <a:schemeClr val="accent5">
-                <a:hueOff val="4416178"/>
-                <a:satOff val="14379"/>
-                <a:lumOff val="5000"/>
+                <a:hueOff val="5299413"/>
+                <a:satOff val="17255"/>
+                <a:lumOff val="6000"/>
                 <a:alphaOff val="0"/>
                 <a:tint val="94000"/>
                 <a:satMod val="103000"/>
@@ -4108,9 +4511,9 @@
             </a:gs>
             <a:gs pos="50000">
               <a:schemeClr val="accent5">
-                <a:hueOff val="4416178"/>
-                <a:satOff val="14379"/>
-                <a:lumOff val="5000"/>
+                <a:hueOff val="5299413"/>
+                <a:satOff val="17255"/>
+                <a:lumOff val="6000"/>
                 <a:alphaOff val="0"/>
                 <a:shade val="100000"/>
                 <a:satMod val="110000"/>
@@ -4119,9 +4522,9 @@
             </a:gs>
             <a:gs pos="100000">
               <a:schemeClr val="accent5">
-                <a:hueOff val="4416178"/>
-                <a:satOff val="14379"/>
-                <a:lumOff val="5000"/>
+                <a:hueOff val="5299413"/>
+                <a:satOff val="17255"/>
+                <a:lumOff val="6000"/>
                 <a:alphaOff val="0"/>
                 <a:shade val="78000"/>
                 <a:satMod val="120000"/>
@@ -4134,9 +4537,9 @@
         <a:ln w="6350" cap="flat" cmpd="sng" algn="in">
           <a:solidFill>
             <a:schemeClr val="accent5">
-              <a:hueOff val="4416178"/>
-              <a:satOff val="14379"/>
-              <a:lumOff val="5000"/>
+              <a:hueOff val="5299413"/>
+              <a:satOff val="17255"/>
+              <a:lumOff val="6000"/>
               <a:alphaOff val="0"/>
             </a:schemeClr>
           </a:solidFill>
@@ -4191,8 +4594,8 @@
         </a:p>
       </dsp:txBody>
       <dsp:txXfrm>
-        <a:off x="3393799" y="1110234"/>
-        <a:ext cx="2813601" cy="429768"/>
+        <a:off x="4279519" y="2041398"/>
+        <a:ext cx="2413426" cy="429768"/>
       </dsp:txXfrm>
     </dsp:sp>
     <dsp:sp modelId="{305971EE-C048-E04D-A80E-44F55CEE4901}">
@@ -4202,8 +4605,8 @@
       </dsp:nvSpPr>
       <dsp:spPr>
         <a:xfrm>
-          <a:off x="3393799" y="379561"/>
-          <a:ext cx="2813601" cy="730672"/>
+          <a:off x="4279519" y="2471166"/>
+          <a:ext cx="2413426" cy="730672"/>
         </a:xfrm>
         <a:prstGeom prst="rect">
           <a:avLst/>
@@ -4212,9 +4615,9 @@
           <a:schemeClr val="accent5">
             <a:tint val="40000"/>
             <a:alpha val="90000"/>
-            <a:hueOff val="4390296"/>
-            <a:satOff val="14733"/>
-            <a:lumOff val="1507"/>
+            <a:hueOff val="5268356"/>
+            <a:satOff val="17680"/>
+            <a:lumOff val="1808"/>
             <a:alphaOff val="0"/>
           </a:schemeClr>
         </a:solidFill>
@@ -4223,9 +4626,9 @@
             <a:schemeClr val="accent5">
               <a:tint val="40000"/>
               <a:alpha val="90000"/>
-              <a:hueOff val="4390296"/>
-              <a:satOff val="14733"/>
-              <a:lumOff val="1507"/>
+              <a:hueOff val="5268356"/>
+              <a:satOff val="17680"/>
+              <a:lumOff val="1808"/>
               <a:alphaOff val="0"/>
             </a:schemeClr>
           </a:solidFill>
@@ -4270,8 +4673,8 @@
         </a:p>
       </dsp:txBody>
       <dsp:txXfrm>
-        <a:off x="3393799" y="379561"/>
-        <a:ext cx="2813601" cy="730672"/>
+        <a:off x="4279519" y="2471166"/>
+        <a:ext cx="2413426" cy="730672"/>
       </dsp:txXfrm>
     </dsp:sp>
     <dsp:sp modelId="{760B0872-5B96-E749-92E9-86E87BA807A6}">
@@ -4281,7 +4684,7 @@
       </dsp:nvSpPr>
       <dsp:spPr>
         <a:xfrm>
-          <a:off x="4800600" y="1540002"/>
+          <a:off x="5486232" y="1790699"/>
           <a:ext cx="0" cy="250698"/>
         </a:xfrm>
         <a:prstGeom prst="line">
@@ -4291,9 +4694,9 @@
         <a:ln w="6350" cap="flat" cmpd="sng" algn="in">
           <a:solidFill>
             <a:schemeClr val="accent5">
-              <a:hueOff val="4416178"/>
-              <a:satOff val="14379"/>
-              <a:lumOff val="5000"/>
+              <a:hueOff val="5299413"/>
+              <a:satOff val="17255"/>
+              <a:lumOff val="6000"/>
               <a:alphaOff val="0"/>
             </a:schemeClr>
           </a:solidFill>
@@ -4314,15 +4717,15 @@
         <a:fontRef idx="minor"/>
       </dsp:style>
     </dsp:sp>
-    <dsp:sp modelId="{24EDEF29-56B5-0143-A5BC-902B4798D262}">
+    <dsp:sp modelId="{33A20DBD-B153-2D41-94DE-1E58C3FBD156}">
       <dsp:nvSpPr>
         <dsp:cNvPr id="0" name=""/>
         <dsp:cNvSpPr/>
       </dsp:nvSpPr>
       <dsp:spPr>
-        <a:xfrm>
-          <a:off x="4992436" y="2041398"/>
-          <a:ext cx="2813601" cy="429768"/>
+        <a:xfrm rot="2700000">
+          <a:off x="4087110" y="1762843"/>
+          <a:ext cx="55713" cy="55713"/>
         </a:xfrm>
         <a:prstGeom prst="rect">
           <a:avLst/>
@@ -4331,9 +4734,127 @@
           <a:gsLst>
             <a:gs pos="0">
               <a:schemeClr val="accent5">
-                <a:hueOff val="6624266"/>
-                <a:satOff val="21568"/>
-                <a:lumOff val="7500"/>
+                <a:tint val="94000"/>
+                <a:satMod val="103000"/>
+                <a:lumMod val="102000"/>
+              </a:schemeClr>
+            </a:gs>
+            <a:gs pos="50000">
+              <a:schemeClr val="accent5">
+                <a:shade val="100000"/>
+                <a:satMod val="110000"/>
+                <a:lumMod val="100000"/>
+              </a:schemeClr>
+            </a:gs>
+            <a:gs pos="100000">
+              <a:schemeClr val="accent5">
+                <a:shade val="78000"/>
+                <a:satMod val="120000"/>
+                <a:lumMod val="99000"/>
+              </a:schemeClr>
+            </a:gs>
+          </a:gsLst>
+          <a:lin ang="5400000" scaled="0"/>
+        </a:gradFill>
+        <a:ln w="6350">
+          <a:noFill/>
+        </a:ln>
+        <a:effectLst/>
+      </dsp:spPr>
+      <dsp:style>
+        <a:lnRef idx="0">
+          <a:scrgbClr r="0" g="0" b="0"/>
+        </a:lnRef>
+        <a:fillRef idx="3">
+          <a:scrgbClr r="0" g="0" b="0"/>
+        </a:fillRef>
+        <a:effectRef idx="2">
+          <a:scrgbClr r="0" g="0" b="0"/>
+        </a:effectRef>
+        <a:fontRef idx="minor">
+          <a:schemeClr val="lt1"/>
+        </a:fontRef>
+      </dsp:style>
+    </dsp:sp>
+    <dsp:sp modelId="{B1730712-4B1B-334E-827D-CF3B32A401A6}">
+      <dsp:nvSpPr>
+        <dsp:cNvPr id="0" name=""/>
+        <dsp:cNvSpPr/>
+      </dsp:nvSpPr>
+      <dsp:spPr>
+        <a:xfrm rot="2700000">
+          <a:off x="5458375" y="1762843"/>
+          <a:ext cx="55713" cy="55713"/>
+        </a:xfrm>
+        <a:prstGeom prst="rect">
+          <a:avLst/>
+        </a:prstGeom>
+        <a:gradFill rotWithShape="0">
+          <a:gsLst>
+            <a:gs pos="0">
+              <a:schemeClr val="accent5">
+                <a:tint val="94000"/>
+                <a:satMod val="103000"/>
+                <a:lumMod val="102000"/>
+              </a:schemeClr>
+            </a:gs>
+            <a:gs pos="50000">
+              <a:schemeClr val="accent5">
+                <a:shade val="100000"/>
+                <a:satMod val="110000"/>
+                <a:lumMod val="100000"/>
+              </a:schemeClr>
+            </a:gs>
+            <a:gs pos="100000">
+              <a:schemeClr val="accent5">
+                <a:shade val="78000"/>
+                <a:satMod val="120000"/>
+                <a:lumMod val="99000"/>
+              </a:schemeClr>
+            </a:gs>
+          </a:gsLst>
+          <a:lin ang="5400000" scaled="0"/>
+        </a:gradFill>
+        <a:ln w="6350">
+          <a:noFill/>
+        </a:ln>
+        <a:effectLst/>
+      </dsp:spPr>
+      <dsp:style>
+        <a:lnRef idx="0">
+          <a:scrgbClr r="0" g="0" b="0"/>
+        </a:lnRef>
+        <a:fillRef idx="3">
+          <a:scrgbClr r="0" g="0" b="0"/>
+        </a:fillRef>
+        <a:effectRef idx="2">
+          <a:scrgbClr r="0" g="0" b="0"/>
+        </a:effectRef>
+        <a:fontRef idx="minor">
+          <a:schemeClr val="lt1"/>
+        </a:fontRef>
+      </dsp:style>
+    </dsp:sp>
+    <dsp:sp modelId="{24EDEF29-56B5-0143-A5BC-902B4798D262}">
+      <dsp:nvSpPr>
+        <dsp:cNvPr id="0" name=""/>
+        <dsp:cNvSpPr/>
+      </dsp:nvSpPr>
+      <dsp:spPr>
+        <a:xfrm>
+          <a:off x="5650784" y="1110234"/>
+          <a:ext cx="2413426" cy="429768"/>
+        </a:xfrm>
+        <a:prstGeom prst="rect">
+          <a:avLst/>
+        </a:prstGeom>
+        <a:gradFill rotWithShape="0">
+          <a:gsLst>
+            <a:gs pos="0">
+              <a:schemeClr val="accent5">
+                <a:hueOff val="7065884"/>
+                <a:satOff val="23006"/>
+                <a:lumOff val="8000"/>
                 <a:alphaOff val="0"/>
                 <a:tint val="94000"/>
                 <a:satMod val="103000"/>
@@ -4342,9 +4863,9 @@
             </a:gs>
             <a:gs pos="50000">
               <a:schemeClr val="accent5">
-                <a:hueOff val="6624266"/>
-                <a:satOff val="21568"/>
-                <a:lumOff val="7500"/>
+                <a:hueOff val="7065884"/>
+                <a:satOff val="23006"/>
+                <a:lumOff val="8000"/>
                 <a:alphaOff val="0"/>
                 <a:shade val="100000"/>
                 <a:satMod val="110000"/>
@@ -4353,9 +4874,9 @@
             </a:gs>
             <a:gs pos="100000">
               <a:schemeClr val="accent5">
-                <a:hueOff val="6624266"/>
-                <a:satOff val="21568"/>
-                <a:lumOff val="7500"/>
+                <a:hueOff val="7065884"/>
+                <a:satOff val="23006"/>
+                <a:lumOff val="8000"/>
                 <a:alphaOff val="0"/>
                 <a:shade val="78000"/>
                 <a:satMod val="120000"/>
@@ -4368,9 +4889,9 @@
         <a:ln w="6350" cap="flat" cmpd="sng" algn="in">
           <a:solidFill>
             <a:schemeClr val="accent5">
-              <a:hueOff val="6624266"/>
-              <a:satOff val="21568"/>
-              <a:lumOff val="7500"/>
+              <a:hueOff val="7065884"/>
+              <a:satOff val="23006"/>
+              <a:lumOff val="8000"/>
               <a:alphaOff val="0"/>
             </a:schemeClr>
           </a:solidFill>
@@ -4425,8 +4946,8 @@
         </a:p>
       </dsp:txBody>
       <dsp:txXfrm>
-        <a:off x="4992436" y="2041398"/>
-        <a:ext cx="2813601" cy="429768"/>
+        <a:off x="5650784" y="1110234"/>
+        <a:ext cx="2413426" cy="429768"/>
       </dsp:txXfrm>
     </dsp:sp>
     <dsp:sp modelId="{21B5E503-B4CC-2647-9B8E-598712D97A6A}">
@@ -4436,8 +4957,8 @@
       </dsp:nvSpPr>
       <dsp:spPr>
         <a:xfrm>
-          <a:off x="4992436" y="2471166"/>
-          <a:ext cx="2813601" cy="730672"/>
+          <a:off x="5650784" y="379561"/>
+          <a:ext cx="2413426" cy="730672"/>
         </a:xfrm>
         <a:prstGeom prst="rect">
           <a:avLst/>
@@ -4446,9 +4967,9 @@
           <a:schemeClr val="accent5">
             <a:tint val="40000"/>
             <a:alpha val="90000"/>
-            <a:hueOff val="6585445"/>
-            <a:satOff val="22100"/>
-            <a:lumOff val="2261"/>
+            <a:hueOff val="7024475"/>
+            <a:satOff val="23574"/>
+            <a:lumOff val="2411"/>
             <a:alphaOff val="0"/>
           </a:schemeClr>
         </a:solidFill>
@@ -4457,9 +4978,9 @@
             <a:schemeClr val="accent5">
               <a:tint val="40000"/>
               <a:alpha val="90000"/>
-              <a:hueOff val="6585445"/>
-              <a:satOff val="22100"/>
-              <a:lumOff val="2261"/>
+              <a:hueOff val="7024475"/>
+              <a:satOff val="23574"/>
+              <a:lumOff val="2411"/>
               <a:alphaOff val="0"/>
             </a:schemeClr>
           </a:solidFill>
@@ -4504,8 +5025,8 @@
         </a:p>
       </dsp:txBody>
       <dsp:txXfrm>
-        <a:off x="4992436" y="2471166"/>
-        <a:ext cx="2813601" cy="730672"/>
+        <a:off x="5650784" y="379561"/>
+        <a:ext cx="2413426" cy="730672"/>
       </dsp:txXfrm>
     </dsp:sp>
     <dsp:sp modelId="{1DCE2870-D1D0-E14A-BEFC-9F74FEFE1700}">
@@ -4515,7 +5036,7 @@
       </dsp:nvSpPr>
       <dsp:spPr>
         <a:xfrm>
-          <a:off x="6399237" y="1790699"/>
+          <a:off x="6857497" y="1540002"/>
           <a:ext cx="0" cy="250698"/>
         </a:xfrm>
         <a:prstGeom prst="line">
@@ -4525,9 +5046,9 @@
         <a:ln w="6350" cap="flat" cmpd="sng" algn="in">
           <a:solidFill>
             <a:schemeClr val="accent5">
-              <a:hueOff val="6624266"/>
-              <a:satOff val="21568"/>
-              <a:lumOff val="7500"/>
+              <a:hueOff val="7065884"/>
+              <a:satOff val="23006"/>
+              <a:lumOff val="8000"/>
               <a:alphaOff val="0"/>
             </a:schemeClr>
           </a:solidFill>
@@ -4548,124 +5069,6 @@
         <a:fontRef idx="minor"/>
       </dsp:style>
     </dsp:sp>
-    <dsp:sp modelId="{B1730712-4B1B-334E-827D-CF3B32A401A6}">
-      <dsp:nvSpPr>
-        <dsp:cNvPr id="0" name=""/>
-        <dsp:cNvSpPr/>
-      </dsp:nvSpPr>
-      <dsp:spPr>
-        <a:xfrm rot="2700000">
-          <a:off x="4772743" y="1762843"/>
-          <a:ext cx="55713" cy="55713"/>
-        </a:xfrm>
-        <a:prstGeom prst="rect">
-          <a:avLst/>
-        </a:prstGeom>
-        <a:gradFill rotWithShape="0">
-          <a:gsLst>
-            <a:gs pos="0">
-              <a:schemeClr val="accent5">
-                <a:tint val="94000"/>
-                <a:satMod val="103000"/>
-                <a:lumMod val="102000"/>
-              </a:schemeClr>
-            </a:gs>
-            <a:gs pos="50000">
-              <a:schemeClr val="accent5">
-                <a:shade val="100000"/>
-                <a:satMod val="110000"/>
-                <a:lumMod val="100000"/>
-              </a:schemeClr>
-            </a:gs>
-            <a:gs pos="100000">
-              <a:schemeClr val="accent5">
-                <a:shade val="78000"/>
-                <a:satMod val="120000"/>
-                <a:lumMod val="99000"/>
-              </a:schemeClr>
-            </a:gs>
-          </a:gsLst>
-          <a:lin ang="5400000" scaled="0"/>
-        </a:gradFill>
-        <a:ln w="6350">
-          <a:noFill/>
-        </a:ln>
-        <a:effectLst/>
-      </dsp:spPr>
-      <dsp:style>
-        <a:lnRef idx="0">
-          <a:scrgbClr r="0" g="0" b="0"/>
-        </a:lnRef>
-        <a:fillRef idx="3">
-          <a:scrgbClr r="0" g="0" b="0"/>
-        </a:fillRef>
-        <a:effectRef idx="2">
-          <a:scrgbClr r="0" g="0" b="0"/>
-        </a:effectRef>
-        <a:fontRef idx="minor">
-          <a:schemeClr val="lt1"/>
-        </a:fontRef>
-      </dsp:style>
-    </dsp:sp>
-    <dsp:sp modelId="{FE1215F4-0CBE-4C4A-A49D-CA471DEFD824}">
-      <dsp:nvSpPr>
-        <dsp:cNvPr id="0" name=""/>
-        <dsp:cNvSpPr/>
-      </dsp:nvSpPr>
-      <dsp:spPr>
-        <a:xfrm rot="2700000">
-          <a:off x="6371380" y="1762843"/>
-          <a:ext cx="55713" cy="55713"/>
-        </a:xfrm>
-        <a:prstGeom prst="rect">
-          <a:avLst/>
-        </a:prstGeom>
-        <a:gradFill rotWithShape="0">
-          <a:gsLst>
-            <a:gs pos="0">
-              <a:schemeClr val="accent5">
-                <a:tint val="94000"/>
-                <a:satMod val="103000"/>
-                <a:lumMod val="102000"/>
-              </a:schemeClr>
-            </a:gs>
-            <a:gs pos="50000">
-              <a:schemeClr val="accent5">
-                <a:shade val="100000"/>
-                <a:satMod val="110000"/>
-                <a:lumMod val="100000"/>
-              </a:schemeClr>
-            </a:gs>
-            <a:gs pos="100000">
-              <a:schemeClr val="accent5">
-                <a:shade val="78000"/>
-                <a:satMod val="120000"/>
-                <a:lumMod val="99000"/>
-              </a:schemeClr>
-            </a:gs>
-          </a:gsLst>
-          <a:lin ang="5400000" scaled="0"/>
-        </a:gradFill>
-        <a:ln w="6350">
-          <a:noFill/>
-        </a:ln>
-        <a:effectLst/>
-      </dsp:spPr>
-      <dsp:style>
-        <a:lnRef idx="0">
-          <a:scrgbClr r="0" g="0" b="0"/>
-        </a:lnRef>
-        <a:fillRef idx="3">
-          <a:scrgbClr r="0" g="0" b="0"/>
-        </a:fillRef>
-        <a:effectRef idx="2">
-          <a:scrgbClr r="0" g="0" b="0"/>
-        </a:effectRef>
-        <a:fontRef idx="minor">
-          <a:schemeClr val="lt1"/>
-        </a:fontRef>
-      </dsp:style>
-    </dsp:sp>
     <dsp:sp modelId="{D56D2EFD-2DF7-9E40-B2C7-9A8C1CF583D7}">
       <dsp:nvSpPr>
         <dsp:cNvPr id="0" name=""/>
@@ -4673,8 +5076,8 @@
       </dsp:nvSpPr>
       <dsp:spPr>
         <a:xfrm>
-          <a:off x="6591073" y="1110234"/>
-          <a:ext cx="2813601" cy="429768"/>
+          <a:off x="7022049" y="2041398"/>
+          <a:ext cx="2413426" cy="429768"/>
         </a:xfrm>
         <a:prstGeom prst="rect">
           <a:avLst/>
@@ -4777,8 +5180,8 @@
         </a:p>
       </dsp:txBody>
       <dsp:txXfrm>
-        <a:off x="6591073" y="1110234"/>
-        <a:ext cx="2813601" cy="429768"/>
+        <a:off x="7022049" y="2041398"/>
+        <a:ext cx="2413426" cy="429768"/>
       </dsp:txXfrm>
     </dsp:sp>
     <dsp:sp modelId="{F30D4E49-504F-A047-B2A2-8852C09011AD}">
@@ -4788,8 +5191,8 @@
       </dsp:nvSpPr>
       <dsp:spPr>
         <a:xfrm>
-          <a:off x="6591073" y="379561"/>
-          <a:ext cx="2813601" cy="730672"/>
+          <a:off x="7022049" y="2471166"/>
+          <a:ext cx="2413426" cy="730672"/>
         </a:xfrm>
         <a:prstGeom prst="rect">
           <a:avLst/>
@@ -4856,8 +5259,8 @@
         </a:p>
       </dsp:txBody>
       <dsp:txXfrm>
-        <a:off x="6591073" y="379561"/>
-        <a:ext cx="2813601" cy="730672"/>
+        <a:off x="7022049" y="2471166"/>
+        <a:ext cx="2413426" cy="730672"/>
       </dsp:txXfrm>
     </dsp:sp>
     <dsp:sp modelId="{0DA50117-4CC8-3646-B1DC-EA80C5FE2C5E}">
@@ -4867,7 +5270,7 @@
       </dsp:nvSpPr>
       <dsp:spPr>
         <a:xfrm>
-          <a:off x="7997874" y="1540002"/>
+          <a:off x="8228762" y="1790699"/>
           <a:ext cx="0" cy="250698"/>
         </a:xfrm>
         <a:prstGeom prst="line">
@@ -4900,6 +5303,65 @@
         <a:fontRef idx="minor"/>
       </dsp:style>
     </dsp:sp>
+    <dsp:sp modelId="{FE1215F4-0CBE-4C4A-A49D-CA471DEFD824}">
+      <dsp:nvSpPr>
+        <dsp:cNvPr id="0" name=""/>
+        <dsp:cNvSpPr/>
+      </dsp:nvSpPr>
+      <dsp:spPr>
+        <a:xfrm rot="2700000">
+          <a:off x="6829640" y="1762843"/>
+          <a:ext cx="55713" cy="55713"/>
+        </a:xfrm>
+        <a:prstGeom prst="rect">
+          <a:avLst/>
+        </a:prstGeom>
+        <a:gradFill rotWithShape="0">
+          <a:gsLst>
+            <a:gs pos="0">
+              <a:schemeClr val="accent5">
+                <a:tint val="94000"/>
+                <a:satMod val="103000"/>
+                <a:lumMod val="102000"/>
+              </a:schemeClr>
+            </a:gs>
+            <a:gs pos="50000">
+              <a:schemeClr val="accent5">
+                <a:shade val="100000"/>
+                <a:satMod val="110000"/>
+                <a:lumMod val="100000"/>
+              </a:schemeClr>
+            </a:gs>
+            <a:gs pos="100000">
+              <a:schemeClr val="accent5">
+                <a:shade val="78000"/>
+                <a:satMod val="120000"/>
+                <a:lumMod val="99000"/>
+              </a:schemeClr>
+            </a:gs>
+          </a:gsLst>
+          <a:lin ang="5400000" scaled="0"/>
+        </a:gradFill>
+        <a:ln w="6350">
+          <a:noFill/>
+        </a:ln>
+        <a:effectLst/>
+      </dsp:spPr>
+      <dsp:style>
+        <a:lnRef idx="0">
+          <a:scrgbClr r="0" g="0" b="0"/>
+        </a:lnRef>
+        <a:fillRef idx="3">
+          <a:scrgbClr r="0" g="0" b="0"/>
+        </a:fillRef>
+        <a:effectRef idx="2">
+          <a:scrgbClr r="0" g="0" b="0"/>
+        </a:effectRef>
+        <a:fontRef idx="minor">
+          <a:schemeClr val="lt1"/>
+        </a:fontRef>
+      </dsp:style>
+    </dsp:sp>
     <dsp:sp modelId="{FA4E0BA2-AF6F-0444-8738-220319152F0A}">
       <dsp:nvSpPr>
         <dsp:cNvPr id="0" name=""/>
@@ -4907,7 +5369,7 @@
       </dsp:nvSpPr>
       <dsp:spPr>
         <a:xfrm rot="2700000">
-          <a:off x="7970017" y="1762843"/>
+          <a:off x="8200906" y="1762843"/>
           <a:ext cx="55713" cy="55713"/>
         </a:xfrm>
         <a:prstGeom prst="rect">
@@ -11555,6 +12017,106 @@
           <p:cNvPr id="2" name="Title 1">
             <a:extLst>
               <a:ext uri="{FF2B5EF4-FFF2-40B4-BE49-F238E27FC236}">
+                <a16:creationId xmlns:a16="http://schemas.microsoft.com/office/drawing/2014/main" id="{7D673772-FD3D-8E40-A540-A5682FA394B6}"/>
+              </a:ext>
+            </a:extLst>
+          </p:cNvPr>
+          <p:cNvSpPr>
+            <a:spLocks noGrp="1"/>
+          </p:cNvSpPr>
+          <p:nvPr>
+            <p:ph type="title"/>
+          </p:nvPr>
+        </p:nvSpPr>
+        <p:spPr/>
+        <p:txBody>
+          <a:bodyPr/>
+          <a:lstStyle/>
+          <a:p>
+            <a:r>
+              <a:rPr lang="en-US" dirty="0"/>
+              <a:t>My Future</a:t>
+            </a:r>
+          </a:p>
+        </p:txBody>
+      </p:sp>
+      <p:sp>
+        <p:nvSpPr>
+          <p:cNvPr id="3" name="Content Placeholder 2">
+            <a:extLst>
+              <a:ext uri="{FF2B5EF4-FFF2-40B4-BE49-F238E27FC236}">
+                <a16:creationId xmlns:a16="http://schemas.microsoft.com/office/drawing/2014/main" id="{C6AE2EEE-35A5-774C-898F-BDBBA7D2ED48}"/>
+              </a:ext>
+            </a:extLst>
+          </p:cNvPr>
+          <p:cNvSpPr>
+            <a:spLocks noGrp="1"/>
+          </p:cNvSpPr>
+          <p:nvPr>
+            <p:ph idx="1"/>
+          </p:nvPr>
+        </p:nvSpPr>
+        <p:spPr/>
+        <p:txBody>
+          <a:bodyPr>
+            <a:normAutofit/>
+          </a:bodyPr>
+          <a:lstStyle/>
+          <a:p>
+            <a:r>
+              <a:rPr lang="en-US" sz="2800" dirty="0"/>
+              <a:t>Graduating in May 2019 with Computer Science and Mathematics majors as well as Leadership Studies and Business Administration minors</a:t>
+            </a:r>
+          </a:p>
+          <a:p>
+            <a:r>
+              <a:rPr lang="en-US" sz="2800" dirty="0"/>
+              <a:t>I will be starting full-time as an IT EDP at John Deere in June</a:t>
+            </a:r>
+          </a:p>
+          <a:p>
+            <a:r>
+              <a:rPr lang="en-US" sz="2800" dirty="0"/>
+              <a:t>I will be moving to either Des Moines, IA, Madison, WI or Cary, NC with my girlfriend, Amy who is also graduating in May 2019</a:t>
+            </a:r>
+          </a:p>
+        </p:txBody>
+      </p:sp>
+    </p:spTree>
+    <p:extLst>
+      <p:ext uri="{BB962C8B-B14F-4D97-AF65-F5344CB8AC3E}">
+        <p14:creationId xmlns:p14="http://schemas.microsoft.com/office/powerpoint/2010/main" val="1443025913"/>
+      </p:ext>
+    </p:extLst>
+  </p:cSld>
+  <p:clrMapOvr>
+    <a:masterClrMapping/>
+  </p:clrMapOvr>
+</p:sld>
+</file>
+
+<file path=ppt/slides/slide12.xml><?xml version="1.0" encoding="utf-8"?>
+<p:sld xmlns:a="http://schemas.openxmlformats.org/drawingml/2006/main" xmlns:r="http://schemas.openxmlformats.org/officeDocument/2006/relationships" xmlns:p="http://schemas.openxmlformats.org/presentationml/2006/main">
+  <p:cSld>
+    <p:spTree>
+      <p:nvGrpSpPr>
+        <p:cNvPr id="1" name=""/>
+        <p:cNvGrpSpPr/>
+        <p:nvPr/>
+      </p:nvGrpSpPr>
+      <p:grpSpPr>
+        <a:xfrm>
+          <a:off x="0" y="0"/>
+          <a:ext cx="0" cy="0"/>
+          <a:chOff x="0" y="0"/>
+          <a:chExt cx="0" cy="0"/>
+        </a:xfrm>
+      </p:grpSpPr>
+      <p:sp>
+        <p:nvSpPr>
+          <p:cNvPr id="2" name="Title 1">
+            <a:extLst>
+              <a:ext uri="{FF2B5EF4-FFF2-40B4-BE49-F238E27FC236}">
                 <a16:creationId xmlns:a16="http://schemas.microsoft.com/office/drawing/2014/main" id="{EA8029B3-97E2-E747-AB10-D18D5C569933}"/>
               </a:ext>
             </a:extLst>
@@ -11677,7 +12239,7 @@
             <p:ph idx="1"/>
             <p:extLst>
               <p:ext uri="{D42A27DB-BD31-4B8C-83A1-F6EECF244321}">
-                <p14:modId xmlns:p14="http://schemas.microsoft.com/office/powerpoint/2010/main" val="2617205160"/>
+                <p14:modId xmlns:p14="http://schemas.microsoft.com/office/powerpoint/2010/main" val="113758135"/>
               </p:ext>
             </p:extLst>
           </p:nvPr>
@@ -11783,36 +12345,36 @@
         </p:nvSpPr>
         <p:spPr>
           <a:xfrm>
-            <a:off x="4954181" y="643467"/>
-            <a:ext cx="6114847" cy="5571065"/>
+            <a:off x="3857625" y="643467"/>
+            <a:ext cx="7211403" cy="5571065"/>
           </a:xfrm>
         </p:spPr>
         <p:txBody>
           <a:bodyPr>
-            <a:normAutofit/>
+            <a:normAutofit lnSpcReduction="10000"/>
           </a:bodyPr>
           <a:lstStyle/>
           <a:p>
             <a:r>
-              <a:rPr lang="en-US" sz="2800" dirty="0"/>
+              <a:rPr lang="en-US" sz="3200" dirty="0"/>
               <a:t>Recruiters can customize all of the questions, company name and the main color using password protected menus</a:t>
             </a:r>
           </a:p>
           <a:p>
             <a:r>
-              <a:rPr lang="en-US" sz="2800" dirty="0"/>
+              <a:rPr lang="en-US" sz="3200" dirty="0"/>
               <a:t>Recruiters can also view the submissions in a similar menu</a:t>
             </a:r>
           </a:p>
           <a:p>
             <a:r>
-              <a:rPr lang="en-US" sz="2800" dirty="0"/>
+              <a:rPr lang="en-US" sz="3200" dirty="0"/>
               <a:t>App will not require Wi-Fi to work as many career fairs have no or spotty Wi-Fi</a:t>
             </a:r>
           </a:p>
           <a:p>
             <a:r>
-              <a:rPr lang="en-US" sz="2800" dirty="0"/>
+              <a:rPr lang="en-US" sz="3200" dirty="0"/>
               <a:t>Data can be exported as CSV files via email when the iPad is connected to Wi-Fi</a:t>
             </a:r>
           </a:p>
@@ -12468,7 +13030,7 @@
         <p:spPr/>
         <p:txBody>
           <a:bodyPr>
-            <a:normAutofit fontScale="92500" lnSpcReduction="10000"/>
+            <a:normAutofit fontScale="85000" lnSpcReduction="20000"/>
           </a:bodyPr>
           <a:lstStyle/>
           <a:p>
@@ -12481,6 +13043,12 @@
             <a:r>
               <a:rPr lang="en-US" sz="2800" dirty="0"/>
               <a:t>Building an app from scratch has also proven to be more difficult than I expected.  I had no experience editing the storyboard which I have found to be incredibly difficult.</a:t>
+            </a:r>
+          </a:p>
+          <a:p>
+            <a:r>
+              <a:rPr lang="en-US" sz="2800" dirty="0"/>
+              <a:t>Acting as both the product owner and developer causes me to get lost in the big picture as well as the smaller details.</a:t>
             </a:r>
           </a:p>
           <a:p>
@@ -12581,7 +13149,7 @@
             <p:ph idx="1"/>
             <p:extLst>
               <p:ext uri="{D42A27DB-BD31-4B8C-83A1-F6EECF244321}">
-                <p14:modId xmlns:p14="http://schemas.microsoft.com/office/powerpoint/2010/main" val="2412288498"/>
+                <p14:modId xmlns:p14="http://schemas.microsoft.com/office/powerpoint/2010/main" val="3617205948"/>
               </p:ext>
             </p:extLst>
           </p:nvPr>
@@ -12630,7 +13198,7 @@
         </p:blipFill>
         <p:spPr>
           <a:xfrm>
-            <a:off x="2171700" y="1585595"/>
+            <a:off x="1985963" y="1374775"/>
             <a:ext cx="1657350" cy="957580"/>
           </a:xfrm>
           <a:prstGeom prst="rect">
@@ -12672,7 +13240,7 @@
         </p:blipFill>
         <p:spPr>
           <a:xfrm>
-            <a:off x="5391150" y="1585595"/>
+            <a:off x="4822031" y="1671320"/>
             <a:ext cx="1657350" cy="957580"/>
           </a:xfrm>
           <a:prstGeom prst="rect">
@@ -12714,7 +13282,7 @@
         </p:blipFill>
         <p:spPr>
           <a:xfrm>
-            <a:off x="6896100" y="5388610"/>
+            <a:off x="6055518" y="5388610"/>
             <a:ext cx="1657350" cy="957580"/>
           </a:xfrm>
           <a:prstGeom prst="rect">
@@ -12756,7 +13324,7 @@
         </p:blipFill>
         <p:spPr>
           <a:xfrm>
-            <a:off x="3733800" y="5388610"/>
+            <a:off x="3305175" y="5440997"/>
             <a:ext cx="1657350" cy="957580"/>
           </a:xfrm>
           <a:prstGeom prst="rect">
@@ -12798,7 +13366,49 @@
         </p:blipFill>
         <p:spPr>
           <a:xfrm>
-            <a:off x="8553450" y="1692910"/>
+            <a:off x="7510463" y="1750060"/>
+            <a:ext cx="1657350" cy="957580"/>
+          </a:xfrm>
+          <a:prstGeom prst="rect">
+            <a:avLst/>
+          </a:prstGeom>
+        </p:spPr>
+      </p:pic>
+      <p:pic>
+        <p:nvPicPr>
+          <p:cNvPr id="10" name="Picture 9">
+            <a:extLst>
+              <a:ext uri="{FF2B5EF4-FFF2-40B4-BE49-F238E27FC236}">
+                <a16:creationId xmlns:a16="http://schemas.microsoft.com/office/drawing/2014/main" id="{090E441C-5805-3848-B058-C2078A1DE4E5}"/>
+              </a:ext>
+            </a:extLst>
+          </p:cNvPr>
+          <p:cNvPicPr>
+            <a:picLocks noChangeAspect="1"/>
+          </p:cNvPicPr>
+          <p:nvPr/>
+        </p:nvPicPr>
+        <p:blipFill>
+          <a:blip r:embed="rId7">
+            <a:extLst>
+              <a:ext uri="{BEBA8EAE-BF5A-486C-A8C5-ECC9F3942E4B}">
+                <a14:imgProps xmlns:a14="http://schemas.microsoft.com/office/drawing/2010/main">
+                  <a14:imgLayer r:embed="rId8">
+                    <a14:imgEffect>
+                      <a14:backgroundRemoval t="10000" b="90000" l="10000" r="90000"/>
+                    </a14:imgEffect>
+                  </a14:imgLayer>
+                </a14:imgProps>
+              </a:ext>
+            </a:extLst>
+          </a:blip>
+          <a:stretch>
+            <a:fillRect/>
+          </a:stretch>
+        </p:blipFill>
+        <p:spPr>
+          <a:xfrm>
+            <a:off x="8805862" y="5388610"/>
             <a:ext cx="1657350" cy="957580"/>
           </a:xfrm>
           <a:prstGeom prst="rect">
